--- a/concepts.pptx
+++ b/concepts.pptx
@@ -8,11 +8,24 @@
     <p:sldId id="256" r:id="rId2"/>
     <p:sldId id="257" r:id="rId3"/>
     <p:sldId id="258" r:id="rId4"/>
-    <p:sldId id="259" r:id="rId5"/>
-    <p:sldId id="260" r:id="rId6"/>
-    <p:sldId id="261" r:id="rId7"/>
-    <p:sldId id="262" r:id="rId8"/>
-    <p:sldId id="263" r:id="rId9"/>
+    <p:sldId id="265" r:id="rId5"/>
+    <p:sldId id="266" r:id="rId6"/>
+    <p:sldId id="267" r:id="rId7"/>
+    <p:sldId id="268" r:id="rId8"/>
+    <p:sldId id="260" r:id="rId9"/>
+    <p:sldId id="259" r:id="rId10"/>
+    <p:sldId id="261" r:id="rId11"/>
+    <p:sldId id="269" r:id="rId12"/>
+    <p:sldId id="262" r:id="rId13"/>
+    <p:sldId id="275" r:id="rId14"/>
+    <p:sldId id="263" r:id="rId15"/>
+    <p:sldId id="270" r:id="rId16"/>
+    <p:sldId id="271" r:id="rId17"/>
+    <p:sldId id="273" r:id="rId18"/>
+    <p:sldId id="274" r:id="rId19"/>
+    <p:sldId id="272" r:id="rId20"/>
+    <p:sldId id="276" r:id="rId21"/>
+    <p:sldId id="277" r:id="rId22"/>
   </p:sldIdLst>
   <p:sldSz cx="12192000" cy="6858000"/>
   <p:notesSz cx="6858000" cy="9144000"/>
@@ -111,6 +124,11 @@
       </a:defRPr>
     </a:lvl9pPr>
   </p:defaultTextStyle>
+  <p:extLst>
+    <p:ext uri="{EFAFB233-063F-42B5-8137-9DF3F51BA10A}">
+      <p15:sldGuideLst xmlns:p15="http://schemas.microsoft.com/office/powerpoint/2012/main"/>
+    </p:ext>
+  </p:extLst>
 </p:presentation>
 </file>
 
@@ -245,7 +263,7 @@
           <a:p>
             <a:fld id="{5AD1FC37-637A-49AE-B613-6B0650F05946}" type="datetimeFigureOut">
               <a:rPr lang="ru-RU" smtClean="0"/>
-              <a:t>08.10.2022</a:t>
+              <a:t>17.10.2022</a:t>
             </a:fld>
             <a:endParaRPr lang="ru-RU"/>
           </a:p>
@@ -415,7 +433,7 @@
           <a:p>
             <a:fld id="{5AD1FC37-637A-49AE-B613-6B0650F05946}" type="datetimeFigureOut">
               <a:rPr lang="ru-RU" smtClean="0"/>
-              <a:t>08.10.2022</a:t>
+              <a:t>17.10.2022</a:t>
             </a:fld>
             <a:endParaRPr lang="ru-RU"/>
           </a:p>
@@ -595,7 +613,7 @@
           <a:p>
             <a:fld id="{5AD1FC37-637A-49AE-B613-6B0650F05946}" type="datetimeFigureOut">
               <a:rPr lang="ru-RU" smtClean="0"/>
-              <a:t>08.10.2022</a:t>
+              <a:t>17.10.2022</a:t>
             </a:fld>
             <a:endParaRPr lang="ru-RU"/>
           </a:p>
@@ -765,7 +783,7 @@
           <a:p>
             <a:fld id="{5AD1FC37-637A-49AE-B613-6B0650F05946}" type="datetimeFigureOut">
               <a:rPr lang="ru-RU" smtClean="0"/>
-              <a:t>08.10.2022</a:t>
+              <a:t>17.10.2022</a:t>
             </a:fld>
             <a:endParaRPr lang="ru-RU"/>
           </a:p>
@@ -1011,7 +1029,7 @@
           <a:p>
             <a:fld id="{5AD1FC37-637A-49AE-B613-6B0650F05946}" type="datetimeFigureOut">
               <a:rPr lang="ru-RU" smtClean="0"/>
-              <a:t>08.10.2022</a:t>
+              <a:t>17.10.2022</a:t>
             </a:fld>
             <a:endParaRPr lang="ru-RU"/>
           </a:p>
@@ -1243,7 +1261,7 @@
           <a:p>
             <a:fld id="{5AD1FC37-637A-49AE-B613-6B0650F05946}" type="datetimeFigureOut">
               <a:rPr lang="ru-RU" smtClean="0"/>
-              <a:t>08.10.2022</a:t>
+              <a:t>17.10.2022</a:t>
             </a:fld>
             <a:endParaRPr lang="ru-RU"/>
           </a:p>
@@ -1610,7 +1628,7 @@
           <a:p>
             <a:fld id="{5AD1FC37-637A-49AE-B613-6B0650F05946}" type="datetimeFigureOut">
               <a:rPr lang="ru-RU" smtClean="0"/>
-              <a:t>08.10.2022</a:t>
+              <a:t>17.10.2022</a:t>
             </a:fld>
             <a:endParaRPr lang="ru-RU"/>
           </a:p>
@@ -1728,7 +1746,7 @@
           <a:p>
             <a:fld id="{5AD1FC37-637A-49AE-B613-6B0650F05946}" type="datetimeFigureOut">
               <a:rPr lang="ru-RU" smtClean="0"/>
-              <a:t>08.10.2022</a:t>
+              <a:t>17.10.2022</a:t>
             </a:fld>
             <a:endParaRPr lang="ru-RU"/>
           </a:p>
@@ -1823,7 +1841,7 @@
           <a:p>
             <a:fld id="{5AD1FC37-637A-49AE-B613-6B0650F05946}" type="datetimeFigureOut">
               <a:rPr lang="ru-RU" smtClean="0"/>
-              <a:t>08.10.2022</a:t>
+              <a:t>17.10.2022</a:t>
             </a:fld>
             <a:endParaRPr lang="ru-RU"/>
           </a:p>
@@ -2100,7 +2118,7 @@
           <a:p>
             <a:fld id="{5AD1FC37-637A-49AE-B613-6B0650F05946}" type="datetimeFigureOut">
               <a:rPr lang="ru-RU" smtClean="0"/>
-              <a:t>08.10.2022</a:t>
+              <a:t>17.10.2022</a:t>
             </a:fld>
             <a:endParaRPr lang="ru-RU"/>
           </a:p>
@@ -2353,7 +2371,7 @@
           <a:p>
             <a:fld id="{5AD1FC37-637A-49AE-B613-6B0650F05946}" type="datetimeFigureOut">
               <a:rPr lang="ru-RU" smtClean="0"/>
-              <a:t>08.10.2022</a:t>
+              <a:t>17.10.2022</a:t>
             </a:fld>
             <a:endParaRPr lang="ru-RU"/>
           </a:p>
@@ -2566,7 +2584,7 @@
           <a:p>
             <a:fld id="{5AD1FC37-637A-49AE-B613-6B0650F05946}" type="datetimeFigureOut">
               <a:rPr lang="ru-RU" smtClean="0"/>
-              <a:t>08.10.2022</a:t>
+              <a:t>17.10.2022</a:t>
             </a:fld>
             <a:endParaRPr lang="ru-RU"/>
           </a:p>
@@ -3044,6 +3062,1451 @@
   <p:clrMapOvr>
     <a:masterClrMapping/>
   </p:clrMapOvr>
+  <p:timing>
+    <p:tnLst>
+      <p:par>
+        <p:cTn id="1" dur="indefinite" restart="never" nodeType="tmRoot"/>
+      </p:par>
+    </p:tnLst>
+  </p:timing>
+</p:sld>
+</file>
+
+<file path=ppt/slides/slide10.xml><?xml version="1.0" encoding="utf-8"?>
+<p:sld xmlns:a="http://schemas.openxmlformats.org/drawingml/2006/main" xmlns:r="http://schemas.openxmlformats.org/officeDocument/2006/relationships" xmlns:p="http://schemas.openxmlformats.org/presentationml/2006/main">
+  <p:cSld>
+    <p:spTree>
+      <p:nvGrpSpPr>
+        <p:cNvPr id="1" name=""/>
+        <p:cNvGrpSpPr/>
+        <p:nvPr/>
+      </p:nvGrpSpPr>
+      <p:grpSpPr>
+        <a:xfrm>
+          <a:off x="0" y="0"/>
+          <a:ext cx="0" cy="0"/>
+          <a:chOff x="0" y="0"/>
+          <a:chExt cx="0" cy="0"/>
+        </a:xfrm>
+      </p:grpSpPr>
+      <p:sp>
+        <p:nvSpPr>
+          <p:cNvPr id="2" name="Заголовок 1"/>
+          <p:cNvSpPr>
+            <a:spLocks noGrp="1"/>
+          </p:cNvSpPr>
+          <p:nvPr>
+            <p:ph type="title"/>
+          </p:nvPr>
+        </p:nvSpPr>
+        <p:spPr/>
+        <p:txBody>
+          <a:bodyPr/>
+          <a:lstStyle/>
+          <a:p>
+            <a:r>
+              <a:rPr lang="ru-RU" dirty="0" smtClean="0"/>
+              <a:t>А что если</a:t>
+            </a:r>
+            <a:endParaRPr lang="ru-RU" dirty="0"/>
+          </a:p>
+        </p:txBody>
+      </p:sp>
+      <p:pic>
+        <p:nvPicPr>
+          <p:cNvPr id="7170" name="Picture 2" descr="https://sun9-51.userapi.com/impg/uDNfyy1aGpPQCuKNqqK-G5BkChriCMISzS-nog/Q2kkoOS4riQ.jpg?size=766x567&amp;quality=96&amp;sign=d4d55f02cc78c4f4a2575e3b0ba99e62&amp;type=album"/>
+          <p:cNvPicPr>
+            <a:picLocks noChangeAspect="1" noChangeArrowheads="1"/>
+          </p:cNvPicPr>
+          <p:nvPr/>
+        </p:nvPicPr>
+        <p:blipFill>
+          <a:blip r:embed="rId2">
+            <a:extLst>
+              <a:ext uri="{28A0092B-C50C-407E-A947-70E740481C1C}">
+                <a14:useLocalDpi xmlns:a14="http://schemas.microsoft.com/office/drawing/2010/main" val="0"/>
+              </a:ext>
+            </a:extLst>
+          </a:blip>
+          <a:srcRect/>
+          <a:stretch>
+            <a:fillRect/>
+          </a:stretch>
+        </p:blipFill>
+        <p:spPr bwMode="auto">
+          <a:xfrm>
+            <a:off x="351517" y="1431199"/>
+            <a:ext cx="7296150" cy="5400675"/>
+          </a:xfrm>
+          <a:prstGeom prst="rect">
+            <a:avLst/>
+          </a:prstGeom>
+          <a:noFill/>
+          <a:extLst>
+            <a:ext uri="{909E8E84-426E-40DD-AFC4-6F175D3DCCD1}">
+              <a14:hiddenFill xmlns:a14="http://schemas.microsoft.com/office/drawing/2010/main">
+                <a:solidFill>
+                  <a:srgbClr val="FFFFFF"/>
+                </a:solidFill>
+              </a14:hiddenFill>
+            </a:ext>
+          </a:extLst>
+        </p:spPr>
+      </p:pic>
+      <p:sp>
+        <p:nvSpPr>
+          <p:cNvPr id="6" name="Прямоугольник 5"/>
+          <p:cNvSpPr/>
+          <p:nvPr/>
+        </p:nvSpPr>
+        <p:spPr>
+          <a:xfrm>
+            <a:off x="7647667" y="5420794"/>
+            <a:ext cx="3758486" cy="1692771"/>
+          </a:xfrm>
+          <a:prstGeom prst="rect">
+            <a:avLst/>
+          </a:prstGeom>
+        </p:spPr>
+        <p:txBody>
+          <a:bodyPr wrap="square">
+            <a:spAutoFit/>
+          </a:bodyPr>
+          <a:lstStyle/>
+          <a:p>
+            <a:r>
+              <a:rPr lang="ru-RU" sz="2600" dirty="0"/>
+              <a:t>вместо аккумулятора </a:t>
+            </a:r>
+            <a:r>
+              <a:rPr lang="ru-RU" sz="2600" dirty="0" smtClean="0"/>
+              <a:t>передать </a:t>
+            </a:r>
+            <a:r>
+              <a:rPr lang="en-US" sz="2600" dirty="0"/>
+              <a:t>const </a:t>
+            </a:r>
+            <a:r>
+              <a:rPr lang="en-US" sz="2600" dirty="0"/>
+              <a:t>char</a:t>
+            </a:r>
+            <a:r>
+              <a:rPr lang="en-US" sz="2600" dirty="0"/>
+              <a:t>* </a:t>
+            </a:r>
+            <a:r>
+              <a:rPr lang="ru-RU" sz="2600" dirty="0"/>
+              <a:t>или </a:t>
+            </a:r>
+            <a:r>
+              <a:rPr lang="en-US" sz="2600" dirty="0"/>
+              <a:t>string?</a:t>
+            </a:r>
+            <a:endParaRPr lang="ru-RU" sz="2600" dirty="0"/>
+          </a:p>
+          <a:p>
+            <a:endParaRPr lang="ru-RU" sz="2600" dirty="0">
+              <a:latin typeface="+mj-lt"/>
+            </a:endParaRPr>
+          </a:p>
+        </p:txBody>
+      </p:sp>
+    </p:spTree>
+    <p:extLst>
+      <p:ext uri="{BB962C8B-B14F-4D97-AF65-F5344CB8AC3E}">
+        <p14:creationId xmlns:p14="http://schemas.microsoft.com/office/powerpoint/2010/main" val="1955538003"/>
+      </p:ext>
+    </p:extLst>
+  </p:cSld>
+  <p:clrMapOvr>
+    <a:masterClrMapping/>
+  </p:clrMapOvr>
+  <p:timing>
+    <p:tnLst>
+      <p:par>
+        <p:cTn id="1" dur="indefinite" restart="never" nodeType="tmRoot"/>
+      </p:par>
+    </p:tnLst>
+  </p:timing>
+</p:sld>
+</file>
+
+<file path=ppt/slides/slide11.xml><?xml version="1.0" encoding="utf-8"?>
+<p:sld xmlns:a="http://schemas.openxmlformats.org/drawingml/2006/main" xmlns:r="http://schemas.openxmlformats.org/officeDocument/2006/relationships" xmlns:p="http://schemas.openxmlformats.org/presentationml/2006/main">
+  <p:cSld>
+    <p:spTree>
+      <p:nvGrpSpPr>
+        <p:cNvPr id="1" name=""/>
+        <p:cNvGrpSpPr/>
+        <p:nvPr/>
+      </p:nvGrpSpPr>
+      <p:grpSpPr>
+        <a:xfrm>
+          <a:off x="0" y="0"/>
+          <a:ext cx="0" cy="0"/>
+          <a:chOff x="0" y="0"/>
+          <a:chExt cx="0" cy="0"/>
+        </a:xfrm>
+      </p:grpSpPr>
+      <p:sp>
+        <p:nvSpPr>
+          <p:cNvPr id="2" name="Заголовок 1"/>
+          <p:cNvSpPr>
+            <a:spLocks noGrp="1"/>
+          </p:cNvSpPr>
+          <p:nvPr>
+            <p:ph type="title"/>
+          </p:nvPr>
+        </p:nvSpPr>
+        <p:spPr/>
+        <p:txBody>
+          <a:bodyPr/>
+          <a:lstStyle/>
+          <a:p>
+            <a:r>
+              <a:rPr lang="ru-RU" dirty="0" smtClean="0"/>
+              <a:t>А что если</a:t>
+            </a:r>
+            <a:endParaRPr lang="ru-RU" dirty="0"/>
+          </a:p>
+        </p:txBody>
+      </p:sp>
+      <p:pic>
+        <p:nvPicPr>
+          <p:cNvPr id="7170" name="Picture 2" descr="https://sun9-51.userapi.com/impg/uDNfyy1aGpPQCuKNqqK-G5BkChriCMISzS-nog/Q2kkoOS4riQ.jpg?size=766x567&amp;quality=96&amp;sign=d4d55f02cc78c4f4a2575e3b0ba99e62&amp;type=album"/>
+          <p:cNvPicPr>
+            <a:picLocks noChangeAspect="1" noChangeArrowheads="1"/>
+          </p:cNvPicPr>
+          <p:nvPr/>
+        </p:nvPicPr>
+        <p:blipFill>
+          <a:blip r:embed="rId2">
+            <a:extLst>
+              <a:ext uri="{28A0092B-C50C-407E-A947-70E740481C1C}">
+                <a14:useLocalDpi xmlns:a14="http://schemas.microsoft.com/office/drawing/2010/main" val="0"/>
+              </a:ext>
+            </a:extLst>
+          </a:blip>
+          <a:srcRect/>
+          <a:stretch>
+            <a:fillRect/>
+          </a:stretch>
+        </p:blipFill>
+        <p:spPr bwMode="auto">
+          <a:xfrm>
+            <a:off x="351517" y="1431199"/>
+            <a:ext cx="7296150" cy="5400675"/>
+          </a:xfrm>
+          <a:prstGeom prst="rect">
+            <a:avLst/>
+          </a:prstGeom>
+          <a:noFill/>
+          <a:extLst>
+            <a:ext uri="{909E8E84-426E-40DD-AFC4-6F175D3DCCD1}">
+              <a14:hiddenFill xmlns:a14="http://schemas.microsoft.com/office/drawing/2010/main">
+                <a:solidFill>
+                  <a:srgbClr val="FFFFFF"/>
+                </a:solidFill>
+              </a14:hiddenFill>
+            </a:ext>
+          </a:extLst>
+        </p:spPr>
+      </p:pic>
+      <p:pic>
+        <p:nvPicPr>
+          <p:cNvPr id="8194" name="Picture 2" descr="https://sun9-84.userapi.com/impg/DE6snG4B8mhuiZT3pri0O-IUVJUcK7KMCY0YHg/aSrE1ojwNT4.jpg?size=1280x808&amp;quality=96&amp;sign=af754a0514ff5811f352f309a0d4b2d8&amp;type=album"/>
+          <p:cNvPicPr>
+            <a:picLocks noChangeAspect="1" noChangeArrowheads="1"/>
+          </p:cNvPicPr>
+          <p:nvPr/>
+        </p:nvPicPr>
+        <p:blipFill>
+          <a:blip r:embed="rId3">
+            <a:extLst>
+              <a:ext uri="{28A0092B-C50C-407E-A947-70E740481C1C}">
+                <a14:useLocalDpi xmlns:a14="http://schemas.microsoft.com/office/drawing/2010/main" val="0"/>
+              </a:ext>
+            </a:extLst>
+          </a:blip>
+          <a:srcRect/>
+          <a:stretch>
+            <a:fillRect/>
+          </a:stretch>
+        </p:blipFill>
+        <p:spPr bwMode="auto">
+          <a:xfrm>
+            <a:off x="1638300" y="702179"/>
+            <a:ext cx="9582150" cy="6048733"/>
+          </a:xfrm>
+          <a:prstGeom prst="rect">
+            <a:avLst/>
+          </a:prstGeom>
+          <a:noFill/>
+          <a:extLst>
+            <a:ext uri="{909E8E84-426E-40DD-AFC4-6F175D3DCCD1}">
+              <a14:hiddenFill xmlns:a14="http://schemas.microsoft.com/office/drawing/2010/main">
+                <a:solidFill>
+                  <a:srgbClr val="FFFFFF"/>
+                </a:solidFill>
+              </a14:hiddenFill>
+            </a:ext>
+          </a:extLst>
+        </p:spPr>
+      </p:pic>
+    </p:spTree>
+    <p:extLst>
+      <p:ext uri="{BB962C8B-B14F-4D97-AF65-F5344CB8AC3E}">
+        <p14:creationId xmlns:p14="http://schemas.microsoft.com/office/powerpoint/2010/main" val="1486188534"/>
+      </p:ext>
+    </p:extLst>
+  </p:cSld>
+  <p:clrMapOvr>
+    <a:masterClrMapping/>
+  </p:clrMapOvr>
+  <p:timing>
+    <p:tnLst>
+      <p:par>
+        <p:cTn id="1" dur="indefinite" restart="never" nodeType="tmRoot"/>
+      </p:par>
+    </p:tnLst>
+  </p:timing>
+</p:sld>
+</file>
+
+<file path=ppt/slides/slide12.xml><?xml version="1.0" encoding="utf-8"?>
+<p:sld xmlns:a="http://schemas.openxmlformats.org/drawingml/2006/main" xmlns:r="http://schemas.openxmlformats.org/officeDocument/2006/relationships" xmlns:p="http://schemas.openxmlformats.org/presentationml/2006/main">
+  <p:cSld>
+    <p:spTree>
+      <p:nvGrpSpPr>
+        <p:cNvPr id="1" name=""/>
+        <p:cNvGrpSpPr/>
+        <p:nvPr/>
+      </p:nvGrpSpPr>
+      <p:grpSpPr>
+        <a:xfrm>
+          <a:off x="0" y="0"/>
+          <a:ext cx="0" cy="0"/>
+          <a:chOff x="0" y="0"/>
+          <a:chExt cx="0" cy="0"/>
+        </a:xfrm>
+      </p:grpSpPr>
+      <p:sp>
+        <p:nvSpPr>
+          <p:cNvPr id="2" name="Заголовок 1"/>
+          <p:cNvSpPr>
+            <a:spLocks noGrp="1"/>
+          </p:cNvSpPr>
+          <p:nvPr>
+            <p:ph type="title"/>
+          </p:nvPr>
+        </p:nvSpPr>
+        <p:spPr/>
+        <p:txBody>
+          <a:bodyPr/>
+          <a:lstStyle/>
+          <a:p>
+            <a:r>
+              <a:rPr lang="ru-RU" dirty="0" smtClean="0"/>
+              <a:t>Определение концепта</a:t>
+            </a:r>
+            <a:endParaRPr lang="ru-RU" dirty="0"/>
+          </a:p>
+        </p:txBody>
+      </p:sp>
+      <p:sp>
+        <p:nvSpPr>
+          <p:cNvPr id="5" name="Прямоугольник 4"/>
+          <p:cNvSpPr/>
+          <p:nvPr/>
+        </p:nvSpPr>
+        <p:spPr>
+          <a:xfrm>
+            <a:off x="9452253" y="1713765"/>
+            <a:ext cx="2473048" cy="1015663"/>
+          </a:xfrm>
+          <a:prstGeom prst="rect">
+            <a:avLst/>
+          </a:prstGeom>
+        </p:spPr>
+        <p:txBody>
+          <a:bodyPr wrap="square">
+            <a:spAutoFit/>
+          </a:bodyPr>
+          <a:lstStyle/>
+          <a:p>
+            <a:r>
+              <a:rPr lang="ru-RU" sz="3000" dirty="0" smtClean="0"/>
+              <a:t>Используя предикат</a:t>
+            </a:r>
+            <a:endParaRPr lang="ru-RU" sz="3000" dirty="0"/>
+          </a:p>
+        </p:txBody>
+      </p:sp>
+      <p:sp>
+        <p:nvSpPr>
+          <p:cNvPr id="8" name="Прямоугольник 7"/>
+          <p:cNvSpPr/>
+          <p:nvPr/>
+        </p:nvSpPr>
+        <p:spPr>
+          <a:xfrm>
+            <a:off x="9452253" y="4063551"/>
+            <a:ext cx="2473048" cy="1477328"/>
+          </a:xfrm>
+          <a:prstGeom prst="rect">
+            <a:avLst/>
+          </a:prstGeom>
+        </p:spPr>
+        <p:txBody>
+          <a:bodyPr wrap="square">
+            <a:spAutoFit/>
+          </a:bodyPr>
+          <a:lstStyle/>
+          <a:p>
+            <a:r>
+              <a:rPr lang="ru-RU" sz="3000" dirty="0" smtClean="0"/>
+              <a:t>Используя </a:t>
+            </a:r>
+            <a:r>
+              <a:rPr lang="en-US" sz="3000" dirty="0" smtClean="0"/>
+              <a:t>requires-</a:t>
+            </a:r>
+            <a:r>
+              <a:rPr lang="ru-RU" sz="3000" dirty="0" smtClean="0"/>
+              <a:t>выражение</a:t>
+            </a:r>
+            <a:endParaRPr lang="ru-RU" sz="3000" dirty="0"/>
+          </a:p>
+        </p:txBody>
+      </p:sp>
+      <p:pic>
+        <p:nvPicPr>
+          <p:cNvPr id="9224" name="Picture 8" descr="https://sun9-58.userapi.com/impg/ZTlxmO4J9BVVOhEZOk62X8LuJ_tbwFpHqYw_Wg/T9-XRqe5nuM.jpg?size=1124x597&amp;quality=96&amp;sign=1e77fcdab9037bb5e8edee2be37d7552&amp;type=album"/>
+          <p:cNvPicPr>
+            <a:picLocks noChangeAspect="1" noChangeArrowheads="1"/>
+          </p:cNvPicPr>
+          <p:nvPr/>
+        </p:nvPicPr>
+        <p:blipFill>
+          <a:blip r:embed="rId2">
+            <a:extLst>
+              <a:ext uri="{28A0092B-C50C-407E-A947-70E740481C1C}">
+                <a14:useLocalDpi xmlns:a14="http://schemas.microsoft.com/office/drawing/2010/main" val="0"/>
+              </a:ext>
+            </a:extLst>
+          </a:blip>
+          <a:srcRect/>
+          <a:stretch>
+            <a:fillRect/>
+          </a:stretch>
+        </p:blipFill>
+        <p:spPr bwMode="auto">
+          <a:xfrm>
+            <a:off x="304800" y="1685776"/>
+            <a:ext cx="8953500" cy="4755551"/>
+          </a:xfrm>
+          <a:prstGeom prst="rect">
+            <a:avLst/>
+          </a:prstGeom>
+          <a:noFill/>
+          <a:extLst>
+            <a:ext uri="{909E8E84-426E-40DD-AFC4-6F175D3DCCD1}">
+              <a14:hiddenFill xmlns:a14="http://schemas.microsoft.com/office/drawing/2010/main">
+                <a:solidFill>
+                  <a:srgbClr val="FFFFFF"/>
+                </a:solidFill>
+              </a14:hiddenFill>
+            </a:ext>
+          </a:extLst>
+        </p:spPr>
+      </p:pic>
+    </p:spTree>
+    <p:extLst>
+      <p:ext uri="{BB962C8B-B14F-4D97-AF65-F5344CB8AC3E}">
+        <p14:creationId xmlns:p14="http://schemas.microsoft.com/office/powerpoint/2010/main" val="3302004416"/>
+      </p:ext>
+    </p:extLst>
+  </p:cSld>
+  <p:clrMapOvr>
+    <a:masterClrMapping/>
+  </p:clrMapOvr>
+  <p:timing>
+    <p:tnLst>
+      <p:par>
+        <p:cTn id="1" dur="indefinite" restart="never" nodeType="tmRoot"/>
+      </p:par>
+    </p:tnLst>
+  </p:timing>
+</p:sld>
+</file>
+
+<file path=ppt/slides/slide13.xml><?xml version="1.0" encoding="utf-8"?>
+<p:sld xmlns:a="http://schemas.openxmlformats.org/drawingml/2006/main" xmlns:r="http://schemas.openxmlformats.org/officeDocument/2006/relationships" xmlns:p="http://schemas.openxmlformats.org/presentationml/2006/main">
+  <p:cSld>
+    <p:spTree>
+      <p:nvGrpSpPr>
+        <p:cNvPr id="1" name=""/>
+        <p:cNvGrpSpPr/>
+        <p:nvPr/>
+      </p:nvGrpSpPr>
+      <p:grpSpPr>
+        <a:xfrm>
+          <a:off x="0" y="0"/>
+          <a:ext cx="0" cy="0"/>
+          <a:chOff x="0" y="0"/>
+          <a:chExt cx="0" cy="0"/>
+        </a:xfrm>
+      </p:grpSpPr>
+      <p:sp>
+        <p:nvSpPr>
+          <p:cNvPr id="2" name="Заголовок 1"/>
+          <p:cNvSpPr>
+            <a:spLocks noGrp="1"/>
+          </p:cNvSpPr>
+          <p:nvPr>
+            <p:ph type="title"/>
+          </p:nvPr>
+        </p:nvSpPr>
+        <p:spPr/>
+        <p:txBody>
+          <a:bodyPr/>
+          <a:lstStyle/>
+          <a:p>
+            <a:r>
+              <a:rPr lang="ru-RU" dirty="0" smtClean="0"/>
+              <a:t>Определение концепта</a:t>
+            </a:r>
+            <a:endParaRPr lang="ru-RU" dirty="0"/>
+          </a:p>
+        </p:txBody>
+      </p:sp>
+      <p:sp>
+        <p:nvSpPr>
+          <p:cNvPr id="8" name="Прямоугольник 7"/>
+          <p:cNvSpPr/>
+          <p:nvPr/>
+        </p:nvSpPr>
+        <p:spPr>
+          <a:xfrm>
+            <a:off x="1638301" y="2264079"/>
+            <a:ext cx="9886949" cy="1015663"/>
+          </a:xfrm>
+          <a:prstGeom prst="rect">
+            <a:avLst/>
+          </a:prstGeom>
+        </p:spPr>
+        <p:txBody>
+          <a:bodyPr wrap="square">
+            <a:spAutoFit/>
+          </a:bodyPr>
+          <a:lstStyle/>
+          <a:p>
+            <a:r>
+              <a:rPr lang="ru-RU" sz="3000" dirty="0" smtClean="0"/>
+              <a:t>Используя комбинацию существующих концептов и </a:t>
+            </a:r>
+            <a:r>
+              <a:rPr lang="en-US" sz="3000" dirty="0" smtClean="0"/>
+              <a:t>requires-</a:t>
+            </a:r>
+            <a:r>
+              <a:rPr lang="ru-RU" sz="3000" dirty="0" smtClean="0"/>
+              <a:t>выражение</a:t>
+            </a:r>
+            <a:endParaRPr lang="ru-RU" sz="3000" dirty="0"/>
+          </a:p>
+        </p:txBody>
+      </p:sp>
+      <p:pic>
+        <p:nvPicPr>
+          <p:cNvPr id="15362" name="Picture 2" descr="https://sun9-4.userapi.com/impg/weOrlaeKbnFBGxIbQ10DehB4Kcc0CtsGqp1Fpw/KF5PXrmFb1Y.jpg?size=477x120&amp;quality=96&amp;sign=e7530948ed9947ecf43b0561ffa074e4&amp;type=album"/>
+          <p:cNvPicPr>
+            <a:picLocks noChangeAspect="1" noChangeArrowheads="1"/>
+          </p:cNvPicPr>
+          <p:nvPr/>
+        </p:nvPicPr>
+        <p:blipFill>
+          <a:blip r:embed="rId2">
+            <a:extLst>
+              <a:ext uri="{28A0092B-C50C-407E-A947-70E740481C1C}">
+                <a14:useLocalDpi xmlns:a14="http://schemas.microsoft.com/office/drawing/2010/main" val="0"/>
+              </a:ext>
+            </a:extLst>
+          </a:blip>
+          <a:srcRect/>
+          <a:stretch>
+            <a:fillRect/>
+          </a:stretch>
+        </p:blipFill>
+        <p:spPr bwMode="auto">
+          <a:xfrm>
+            <a:off x="1465661" y="3505768"/>
+            <a:ext cx="9259488" cy="2329433"/>
+          </a:xfrm>
+          <a:prstGeom prst="rect">
+            <a:avLst/>
+          </a:prstGeom>
+          <a:noFill/>
+          <a:extLst>
+            <a:ext uri="{909E8E84-426E-40DD-AFC4-6F175D3DCCD1}">
+              <a14:hiddenFill xmlns:a14="http://schemas.microsoft.com/office/drawing/2010/main">
+                <a:solidFill>
+                  <a:srgbClr val="FFFFFF"/>
+                </a:solidFill>
+              </a14:hiddenFill>
+            </a:ext>
+          </a:extLst>
+        </p:spPr>
+      </p:pic>
+    </p:spTree>
+    <p:extLst>
+      <p:ext uri="{BB962C8B-B14F-4D97-AF65-F5344CB8AC3E}">
+        <p14:creationId xmlns:p14="http://schemas.microsoft.com/office/powerpoint/2010/main" val="942769404"/>
+      </p:ext>
+    </p:extLst>
+  </p:cSld>
+  <p:clrMapOvr>
+    <a:masterClrMapping/>
+  </p:clrMapOvr>
+  <p:timing>
+    <p:tnLst>
+      <p:par>
+        <p:cTn id="1" dur="indefinite" restart="never" nodeType="tmRoot"/>
+      </p:par>
+    </p:tnLst>
+  </p:timing>
+</p:sld>
+</file>
+
+<file path=ppt/slides/slide14.xml><?xml version="1.0" encoding="utf-8"?>
+<p:sld xmlns:a="http://schemas.openxmlformats.org/drawingml/2006/main" xmlns:r="http://schemas.openxmlformats.org/officeDocument/2006/relationships" xmlns:p="http://schemas.openxmlformats.org/presentationml/2006/main">
+  <p:cSld>
+    <p:spTree>
+      <p:nvGrpSpPr>
+        <p:cNvPr id="1" name=""/>
+        <p:cNvGrpSpPr/>
+        <p:nvPr/>
+      </p:nvGrpSpPr>
+      <p:grpSpPr>
+        <a:xfrm>
+          <a:off x="0" y="0"/>
+          <a:ext cx="0" cy="0"/>
+          <a:chOff x="0" y="0"/>
+          <a:chExt cx="0" cy="0"/>
+        </a:xfrm>
+      </p:grpSpPr>
+      <p:sp>
+        <p:nvSpPr>
+          <p:cNvPr id="2" name="Заголовок 1"/>
+          <p:cNvSpPr>
+            <a:spLocks noGrp="1"/>
+          </p:cNvSpPr>
+          <p:nvPr>
+            <p:ph type="title"/>
+          </p:nvPr>
+        </p:nvSpPr>
+        <p:spPr/>
+        <p:txBody>
+          <a:bodyPr/>
+          <a:lstStyle/>
+          <a:p>
+            <a:r>
+              <a:rPr lang="ru-RU" dirty="0" smtClean="0"/>
+              <a:t>Использование собственного концепта</a:t>
+            </a:r>
+            <a:endParaRPr lang="ru-RU" dirty="0"/>
+          </a:p>
+        </p:txBody>
+      </p:sp>
+      <p:pic>
+        <p:nvPicPr>
+          <p:cNvPr id="10242" name="Picture 2" descr="https://sun9-45.userapi.com/impg/Js0VGw47fu3W-XscsKYRFZjga1zXjctQxMzeDw/x7O8BmJA1DM.jpg?size=377x245&amp;quality=96&amp;sign=f7b85aa5dcfe81941454bc1aed54874e&amp;type=album"/>
+          <p:cNvPicPr>
+            <a:picLocks noChangeAspect="1" noChangeArrowheads="1"/>
+          </p:cNvPicPr>
+          <p:nvPr/>
+        </p:nvPicPr>
+        <p:blipFill>
+          <a:blip r:embed="rId2">
+            <a:extLst>
+              <a:ext uri="{28A0092B-C50C-407E-A947-70E740481C1C}">
+                <a14:useLocalDpi xmlns:a14="http://schemas.microsoft.com/office/drawing/2010/main" val="0"/>
+              </a:ext>
+            </a:extLst>
+          </a:blip>
+          <a:srcRect/>
+          <a:stretch>
+            <a:fillRect/>
+          </a:stretch>
+        </p:blipFill>
+        <p:spPr bwMode="auto">
+          <a:xfrm>
+            <a:off x="231775" y="2043112"/>
+            <a:ext cx="6265796" cy="4071938"/>
+          </a:xfrm>
+          <a:prstGeom prst="rect">
+            <a:avLst/>
+          </a:prstGeom>
+          <a:noFill/>
+          <a:extLst>
+            <a:ext uri="{909E8E84-426E-40DD-AFC4-6F175D3DCCD1}">
+              <a14:hiddenFill xmlns:a14="http://schemas.microsoft.com/office/drawing/2010/main">
+                <a:solidFill>
+                  <a:srgbClr val="FFFFFF"/>
+                </a:solidFill>
+              </a14:hiddenFill>
+            </a:ext>
+          </a:extLst>
+        </p:spPr>
+      </p:pic>
+      <p:pic>
+        <p:nvPicPr>
+          <p:cNvPr id="10244" name="Picture 4" descr="https://sun9-22.userapi.com/impg/L00b9cetp8od3kXfmW_U8wqeoQvtSsl6zp7HUA/Kqxo1OLiP-4.jpg?size=360x206&amp;quality=96&amp;sign=7e51f963263cad1dede120c44fb468de&amp;type=album"/>
+          <p:cNvPicPr>
+            <a:picLocks noChangeAspect="1" noChangeArrowheads="1"/>
+          </p:cNvPicPr>
+          <p:nvPr/>
+        </p:nvPicPr>
+        <p:blipFill>
+          <a:blip r:embed="rId3">
+            <a:extLst>
+              <a:ext uri="{28A0092B-C50C-407E-A947-70E740481C1C}">
+                <a14:useLocalDpi xmlns:a14="http://schemas.microsoft.com/office/drawing/2010/main" val="0"/>
+              </a:ext>
+            </a:extLst>
+          </a:blip>
+          <a:srcRect/>
+          <a:stretch>
+            <a:fillRect/>
+          </a:stretch>
+        </p:blipFill>
+        <p:spPr bwMode="auto">
+          <a:xfrm>
+            <a:off x="6651624" y="2309812"/>
+            <a:ext cx="5384863" cy="3081338"/>
+          </a:xfrm>
+          <a:prstGeom prst="rect">
+            <a:avLst/>
+          </a:prstGeom>
+          <a:noFill/>
+          <a:extLst>
+            <a:ext uri="{909E8E84-426E-40DD-AFC4-6F175D3DCCD1}">
+              <a14:hiddenFill xmlns:a14="http://schemas.microsoft.com/office/drawing/2010/main">
+                <a:solidFill>
+                  <a:srgbClr val="FFFFFF"/>
+                </a:solidFill>
+              </a14:hiddenFill>
+            </a:ext>
+          </a:extLst>
+        </p:spPr>
+      </p:pic>
+    </p:spTree>
+    <p:extLst>
+      <p:ext uri="{BB962C8B-B14F-4D97-AF65-F5344CB8AC3E}">
+        <p14:creationId xmlns:p14="http://schemas.microsoft.com/office/powerpoint/2010/main" val="4135336181"/>
+      </p:ext>
+    </p:extLst>
+  </p:cSld>
+  <p:clrMapOvr>
+    <a:masterClrMapping/>
+  </p:clrMapOvr>
+  <p:timing>
+    <p:tnLst>
+      <p:par>
+        <p:cTn id="1" dur="indefinite" restart="never" nodeType="tmRoot"/>
+      </p:par>
+    </p:tnLst>
+  </p:timing>
+</p:sld>
+</file>
+
+<file path=ppt/slides/slide15.xml><?xml version="1.0" encoding="utf-8"?>
+<p:sld xmlns:a="http://schemas.openxmlformats.org/drawingml/2006/main" xmlns:r="http://schemas.openxmlformats.org/officeDocument/2006/relationships" xmlns:p="http://schemas.openxmlformats.org/presentationml/2006/main">
+  <p:cSld>
+    <p:spTree>
+      <p:nvGrpSpPr>
+        <p:cNvPr id="1" name=""/>
+        <p:cNvGrpSpPr/>
+        <p:nvPr/>
+      </p:nvGrpSpPr>
+      <p:grpSpPr>
+        <a:xfrm>
+          <a:off x="0" y="0"/>
+          <a:ext cx="0" cy="0"/>
+          <a:chOff x="0" y="0"/>
+          <a:chExt cx="0" cy="0"/>
+        </a:xfrm>
+      </p:grpSpPr>
+      <p:sp>
+        <p:nvSpPr>
+          <p:cNvPr id="2" name="Заголовок 1"/>
+          <p:cNvSpPr>
+            <a:spLocks noGrp="1"/>
+          </p:cNvSpPr>
+          <p:nvPr>
+            <p:ph type="title"/>
+          </p:nvPr>
+        </p:nvSpPr>
+        <p:spPr/>
+        <p:txBody>
+          <a:bodyPr/>
+          <a:lstStyle/>
+          <a:p>
+            <a:r>
+              <a:rPr lang="ru-RU" dirty="0" smtClean="0"/>
+              <a:t>Использование собственного концепта</a:t>
+            </a:r>
+            <a:endParaRPr lang="ru-RU" dirty="0"/>
+          </a:p>
+        </p:txBody>
+      </p:sp>
+      <p:pic>
+        <p:nvPicPr>
+          <p:cNvPr id="11266" name="Picture 2" descr="https://sun9-28.userapi.com/impg/DkRITEosD1IiLMa8XWhlmAhWUHjKMHyV4Rqx_Q/Q4xiuXs9i9Q.jpg?size=569x181&amp;quality=96&amp;sign=5b0e1d5bb2383111cb033fa02e8c220a&amp;type=album"/>
+          <p:cNvPicPr>
+            <a:picLocks noChangeAspect="1" noChangeArrowheads="1"/>
+          </p:cNvPicPr>
+          <p:nvPr/>
+        </p:nvPicPr>
+        <p:blipFill>
+          <a:blip r:embed="rId2">
+            <a:extLst>
+              <a:ext uri="{28A0092B-C50C-407E-A947-70E740481C1C}">
+                <a14:useLocalDpi xmlns:a14="http://schemas.microsoft.com/office/drawing/2010/main" val="0"/>
+              </a:ext>
+            </a:extLst>
+          </a:blip>
+          <a:srcRect/>
+          <a:stretch>
+            <a:fillRect/>
+          </a:stretch>
+        </p:blipFill>
+        <p:spPr bwMode="auto">
+          <a:xfrm>
+            <a:off x="231775" y="2043112"/>
+            <a:ext cx="10135782" cy="3224212"/>
+          </a:xfrm>
+          <a:prstGeom prst="rect">
+            <a:avLst/>
+          </a:prstGeom>
+          <a:noFill/>
+          <a:extLst>
+            <a:ext uri="{909E8E84-426E-40DD-AFC4-6F175D3DCCD1}">
+              <a14:hiddenFill xmlns:a14="http://schemas.microsoft.com/office/drawing/2010/main">
+                <a:solidFill>
+                  <a:srgbClr val="FFFFFF"/>
+                </a:solidFill>
+              </a14:hiddenFill>
+            </a:ext>
+          </a:extLst>
+        </p:spPr>
+      </p:pic>
+    </p:spTree>
+    <p:extLst>
+      <p:ext uri="{BB962C8B-B14F-4D97-AF65-F5344CB8AC3E}">
+        <p14:creationId xmlns:p14="http://schemas.microsoft.com/office/powerpoint/2010/main" val="2568035993"/>
+      </p:ext>
+    </p:extLst>
+  </p:cSld>
+  <p:clrMapOvr>
+    <a:masterClrMapping/>
+  </p:clrMapOvr>
+  <p:timing>
+    <p:tnLst>
+      <p:par>
+        <p:cTn id="1" dur="indefinite" restart="never" nodeType="tmRoot"/>
+      </p:par>
+    </p:tnLst>
+  </p:timing>
+</p:sld>
+</file>
+
+<file path=ppt/slides/slide16.xml><?xml version="1.0" encoding="utf-8"?>
+<p:sld xmlns:a="http://schemas.openxmlformats.org/drawingml/2006/main" xmlns:r="http://schemas.openxmlformats.org/officeDocument/2006/relationships" xmlns:p="http://schemas.openxmlformats.org/presentationml/2006/main">
+  <p:cSld>
+    <p:spTree>
+      <p:nvGrpSpPr>
+        <p:cNvPr id="1" name=""/>
+        <p:cNvGrpSpPr/>
+        <p:nvPr/>
+      </p:nvGrpSpPr>
+      <p:grpSpPr>
+        <a:xfrm>
+          <a:off x="0" y="0"/>
+          <a:ext cx="0" cy="0"/>
+          <a:chOff x="0" y="0"/>
+          <a:chExt cx="0" cy="0"/>
+        </a:xfrm>
+      </p:grpSpPr>
+      <p:sp>
+        <p:nvSpPr>
+          <p:cNvPr id="2" name="Заголовок 1"/>
+          <p:cNvSpPr>
+            <a:spLocks noGrp="1"/>
+          </p:cNvSpPr>
+          <p:nvPr>
+            <p:ph type="title"/>
+          </p:nvPr>
+        </p:nvSpPr>
+        <p:spPr/>
+        <p:txBody>
+          <a:bodyPr/>
+          <a:lstStyle/>
+          <a:p>
+            <a:r>
+              <a:rPr lang="ru-RU" dirty="0" smtClean="0"/>
+              <a:t>Перегрузка на основе концептов</a:t>
+            </a:r>
+            <a:endParaRPr lang="ru-RU" dirty="0"/>
+          </a:p>
+        </p:txBody>
+      </p:sp>
+      <p:pic>
+        <p:nvPicPr>
+          <p:cNvPr id="12290" name="Picture 2" descr="https://sun9-18.userapi.com/impg/__8yrdFxsRWImqIn93T_s7xgE53iK8gz1NRuhA/3zTdwcHBuUI.jpg?size=499x378&amp;quality=96&amp;sign=f50f6d1c642edb051a3264a5a0e35d35&amp;type=album"/>
+          <p:cNvPicPr>
+            <a:picLocks noChangeAspect="1" noChangeArrowheads="1"/>
+          </p:cNvPicPr>
+          <p:nvPr/>
+        </p:nvPicPr>
+        <p:blipFill>
+          <a:blip r:embed="rId2">
+            <a:extLst>
+              <a:ext uri="{28A0092B-C50C-407E-A947-70E740481C1C}">
+                <a14:useLocalDpi xmlns:a14="http://schemas.microsoft.com/office/drawing/2010/main" val="0"/>
+              </a:ext>
+            </a:extLst>
+          </a:blip>
+          <a:srcRect/>
+          <a:stretch>
+            <a:fillRect/>
+          </a:stretch>
+        </p:blipFill>
+        <p:spPr bwMode="auto">
+          <a:xfrm>
+            <a:off x="917575" y="1690688"/>
+            <a:ext cx="6821397" cy="5167312"/>
+          </a:xfrm>
+          <a:prstGeom prst="rect">
+            <a:avLst/>
+          </a:prstGeom>
+          <a:noFill/>
+          <a:extLst>
+            <a:ext uri="{909E8E84-426E-40DD-AFC4-6F175D3DCCD1}">
+              <a14:hiddenFill xmlns:a14="http://schemas.microsoft.com/office/drawing/2010/main">
+                <a:solidFill>
+                  <a:srgbClr val="FFFFFF"/>
+                </a:solidFill>
+              </a14:hiddenFill>
+            </a:ext>
+          </a:extLst>
+        </p:spPr>
+      </p:pic>
+    </p:spTree>
+    <p:extLst>
+      <p:ext uri="{BB962C8B-B14F-4D97-AF65-F5344CB8AC3E}">
+        <p14:creationId xmlns:p14="http://schemas.microsoft.com/office/powerpoint/2010/main" val="321014591"/>
+      </p:ext>
+    </p:extLst>
+  </p:cSld>
+  <p:clrMapOvr>
+    <a:masterClrMapping/>
+  </p:clrMapOvr>
+  <p:timing>
+    <p:tnLst>
+      <p:par>
+        <p:cTn id="1" dur="indefinite" restart="never" nodeType="tmRoot"/>
+      </p:par>
+    </p:tnLst>
+  </p:timing>
+</p:sld>
+</file>
+
+<file path=ppt/slides/slide17.xml><?xml version="1.0" encoding="utf-8"?>
+<p:sld xmlns:a="http://schemas.openxmlformats.org/drawingml/2006/main" xmlns:r="http://schemas.openxmlformats.org/officeDocument/2006/relationships" xmlns:p="http://schemas.openxmlformats.org/presentationml/2006/main">
+  <p:cSld>
+    <p:spTree>
+      <p:nvGrpSpPr>
+        <p:cNvPr id="1" name=""/>
+        <p:cNvGrpSpPr/>
+        <p:nvPr/>
+      </p:nvGrpSpPr>
+      <p:grpSpPr>
+        <a:xfrm>
+          <a:off x="0" y="0"/>
+          <a:ext cx="0" cy="0"/>
+          <a:chOff x="0" y="0"/>
+          <a:chExt cx="0" cy="0"/>
+        </a:xfrm>
+      </p:grpSpPr>
+      <p:sp>
+        <p:nvSpPr>
+          <p:cNvPr id="2" name="Заголовок 1"/>
+          <p:cNvSpPr>
+            <a:spLocks noGrp="1"/>
+          </p:cNvSpPr>
+          <p:nvPr>
+            <p:ph type="title"/>
+          </p:nvPr>
+        </p:nvSpPr>
+        <p:spPr/>
+        <p:txBody>
+          <a:bodyPr/>
+          <a:lstStyle/>
+          <a:p>
+            <a:r>
+              <a:rPr lang="ru-RU" dirty="0" smtClean="0"/>
+              <a:t>Перегрузка на основе концептов</a:t>
+            </a:r>
+            <a:endParaRPr lang="ru-RU" dirty="0"/>
+          </a:p>
+        </p:txBody>
+      </p:sp>
+      <p:pic>
+        <p:nvPicPr>
+          <p:cNvPr id="12290" name="Picture 2" descr="https://sun9-18.userapi.com/impg/__8yrdFxsRWImqIn93T_s7xgE53iK8gz1NRuhA/3zTdwcHBuUI.jpg?size=499x378&amp;quality=96&amp;sign=f50f6d1c642edb051a3264a5a0e35d35&amp;type=album"/>
+          <p:cNvPicPr>
+            <a:picLocks noChangeAspect="1" noChangeArrowheads="1"/>
+          </p:cNvPicPr>
+          <p:nvPr/>
+        </p:nvPicPr>
+        <p:blipFill>
+          <a:blip r:embed="rId2">
+            <a:extLst>
+              <a:ext uri="{28A0092B-C50C-407E-A947-70E740481C1C}">
+                <a14:useLocalDpi xmlns:a14="http://schemas.microsoft.com/office/drawing/2010/main" val="0"/>
+              </a:ext>
+            </a:extLst>
+          </a:blip>
+          <a:srcRect/>
+          <a:stretch>
+            <a:fillRect/>
+          </a:stretch>
+        </p:blipFill>
+        <p:spPr bwMode="auto">
+          <a:xfrm>
+            <a:off x="1" y="2077044"/>
+            <a:ext cx="5333999" cy="4040585"/>
+          </a:xfrm>
+          <a:prstGeom prst="rect">
+            <a:avLst/>
+          </a:prstGeom>
+          <a:noFill/>
+          <a:extLst>
+            <a:ext uri="{909E8E84-426E-40DD-AFC4-6F175D3DCCD1}">
+              <a14:hiddenFill xmlns:a14="http://schemas.microsoft.com/office/drawing/2010/main">
+                <a:solidFill>
+                  <a:srgbClr val="FFFFFF"/>
+                </a:solidFill>
+              </a14:hiddenFill>
+            </a:ext>
+          </a:extLst>
+        </p:spPr>
+      </p:pic>
+      <p:pic>
+        <p:nvPicPr>
+          <p:cNvPr id="13314" name="Picture 2" descr="https://sun9-88.userapi.com/impg/m0HsywxTgl95kVctUJ9MD1pXnIjlwR8BTgzkUQ/fy7jgHDlJow.jpg?size=482x223&amp;quality=96&amp;sign=f2782685a11ef3a984af771f32f21d6a&amp;type=album"/>
+          <p:cNvPicPr>
+            <a:picLocks noChangeAspect="1" noChangeArrowheads="1"/>
+          </p:cNvPicPr>
+          <p:nvPr/>
+        </p:nvPicPr>
+        <p:blipFill>
+          <a:blip r:embed="rId3">
+            <a:extLst>
+              <a:ext uri="{28A0092B-C50C-407E-A947-70E740481C1C}">
+                <a14:useLocalDpi xmlns:a14="http://schemas.microsoft.com/office/drawing/2010/main" val="0"/>
+              </a:ext>
+            </a:extLst>
+          </a:blip>
+          <a:srcRect/>
+          <a:stretch>
+            <a:fillRect/>
+          </a:stretch>
+        </p:blipFill>
+        <p:spPr bwMode="auto">
+          <a:xfrm>
+            <a:off x="5334000" y="2191144"/>
+            <a:ext cx="6858000" cy="3886741"/>
+          </a:xfrm>
+          <a:prstGeom prst="rect">
+            <a:avLst/>
+          </a:prstGeom>
+          <a:noFill/>
+          <a:extLst>
+            <a:ext uri="{909E8E84-426E-40DD-AFC4-6F175D3DCCD1}">
+              <a14:hiddenFill xmlns:a14="http://schemas.microsoft.com/office/drawing/2010/main">
+                <a:solidFill>
+                  <a:srgbClr val="FFFFFF"/>
+                </a:solidFill>
+              </a14:hiddenFill>
+            </a:ext>
+          </a:extLst>
+        </p:spPr>
+      </p:pic>
+    </p:spTree>
+    <p:extLst>
+      <p:ext uri="{BB962C8B-B14F-4D97-AF65-F5344CB8AC3E}">
+        <p14:creationId xmlns:p14="http://schemas.microsoft.com/office/powerpoint/2010/main" val="2062393286"/>
+      </p:ext>
+    </p:extLst>
+  </p:cSld>
+  <p:clrMapOvr>
+    <a:masterClrMapping/>
+  </p:clrMapOvr>
+  <p:timing>
+    <p:tnLst>
+      <p:par>
+        <p:cTn id="1" dur="indefinite" restart="never" nodeType="tmRoot"/>
+      </p:par>
+    </p:tnLst>
+  </p:timing>
+</p:sld>
+</file>
+
+<file path=ppt/slides/slide18.xml><?xml version="1.0" encoding="utf-8"?>
+<p:sld xmlns:a="http://schemas.openxmlformats.org/drawingml/2006/main" xmlns:r="http://schemas.openxmlformats.org/officeDocument/2006/relationships" xmlns:p="http://schemas.openxmlformats.org/presentationml/2006/main">
+  <p:cSld>
+    <p:spTree>
+      <p:nvGrpSpPr>
+        <p:cNvPr id="1" name=""/>
+        <p:cNvGrpSpPr/>
+        <p:nvPr/>
+      </p:nvGrpSpPr>
+      <p:grpSpPr>
+        <a:xfrm>
+          <a:off x="0" y="0"/>
+          <a:ext cx="0" cy="0"/>
+          <a:chOff x="0" y="0"/>
+          <a:chExt cx="0" cy="0"/>
+        </a:xfrm>
+      </p:grpSpPr>
+      <p:pic>
+        <p:nvPicPr>
+          <p:cNvPr id="14340" name="Picture 4" descr="https://sun9-20.userapi.com/impg/OqHrtPWg5ZZ2BmgeMr9b7S_jT1vFzDg5-l0OIw/0l2mG_XT7kg.jpg?size=353x156&amp;quality=96&amp;sign=73d6eb6aefeca79f801616065a5ef228&amp;type=album"/>
+          <p:cNvPicPr>
+            <a:picLocks noChangeAspect="1" noChangeArrowheads="1"/>
+          </p:cNvPicPr>
+          <p:nvPr/>
+        </p:nvPicPr>
+        <p:blipFill>
+          <a:blip r:embed="rId2">
+            <a:extLst>
+              <a:ext uri="{28A0092B-C50C-407E-A947-70E740481C1C}">
+                <a14:useLocalDpi xmlns:a14="http://schemas.microsoft.com/office/drawing/2010/main" val="0"/>
+              </a:ext>
+            </a:extLst>
+          </a:blip>
+          <a:srcRect/>
+          <a:stretch>
+            <a:fillRect/>
+          </a:stretch>
+        </p:blipFill>
+        <p:spPr bwMode="auto">
+          <a:xfrm>
+            <a:off x="0" y="2516184"/>
+            <a:ext cx="7410771" cy="3275015"/>
+          </a:xfrm>
+          <a:prstGeom prst="rect">
+            <a:avLst/>
+          </a:prstGeom>
+          <a:noFill/>
+          <a:extLst>
+            <a:ext uri="{909E8E84-426E-40DD-AFC4-6F175D3DCCD1}">
+              <a14:hiddenFill xmlns:a14="http://schemas.microsoft.com/office/drawing/2010/main">
+                <a:solidFill>
+                  <a:srgbClr val="FFFFFF"/>
+                </a:solidFill>
+              </a14:hiddenFill>
+            </a:ext>
+          </a:extLst>
+        </p:spPr>
+      </p:pic>
+      <p:sp>
+        <p:nvSpPr>
+          <p:cNvPr id="2" name="Заголовок 1"/>
+          <p:cNvSpPr>
+            <a:spLocks noGrp="1"/>
+          </p:cNvSpPr>
+          <p:nvPr>
+            <p:ph type="title"/>
+          </p:nvPr>
+        </p:nvSpPr>
+        <p:spPr/>
+        <p:txBody>
+          <a:bodyPr/>
+          <a:lstStyle/>
+          <a:p>
+            <a:r>
+              <a:rPr lang="ru-RU" dirty="0" smtClean="0"/>
+              <a:t>Перегрузка на основе концептов</a:t>
+            </a:r>
+            <a:endParaRPr lang="ru-RU" dirty="0"/>
+          </a:p>
+        </p:txBody>
+      </p:sp>
+      <p:pic>
+        <p:nvPicPr>
+          <p:cNvPr id="13314" name="Picture 2" descr="https://sun9-88.userapi.com/impg/m0HsywxTgl95kVctUJ9MD1pXnIjlwR8BTgzkUQ/fy7jgHDlJow.jpg?size=482x223&amp;quality=96&amp;sign=f2782685a11ef3a984af771f32f21d6a&amp;type=album"/>
+          <p:cNvPicPr>
+            <a:picLocks noChangeAspect="1" noChangeArrowheads="1"/>
+          </p:cNvPicPr>
+          <p:nvPr/>
+        </p:nvPicPr>
+        <p:blipFill>
+          <a:blip r:embed="rId3">
+            <a:extLst>
+              <a:ext uri="{28A0092B-C50C-407E-A947-70E740481C1C}">
+                <a14:useLocalDpi xmlns:a14="http://schemas.microsoft.com/office/drawing/2010/main" val="0"/>
+              </a:ext>
+            </a:extLst>
+          </a:blip>
+          <a:srcRect/>
+          <a:stretch>
+            <a:fillRect/>
+          </a:stretch>
+        </p:blipFill>
+        <p:spPr bwMode="auto">
+          <a:xfrm>
+            <a:off x="5334000" y="2153965"/>
+            <a:ext cx="6858000" cy="3886741"/>
+          </a:xfrm>
+          <a:prstGeom prst="rect">
+            <a:avLst/>
+          </a:prstGeom>
+          <a:noFill/>
+          <a:extLst>
+            <a:ext uri="{909E8E84-426E-40DD-AFC4-6F175D3DCCD1}">
+              <a14:hiddenFill xmlns:a14="http://schemas.microsoft.com/office/drawing/2010/main">
+                <a:solidFill>
+                  <a:srgbClr val="FFFFFF"/>
+                </a:solidFill>
+              </a14:hiddenFill>
+            </a:ext>
+          </a:extLst>
+        </p:spPr>
+      </p:pic>
+    </p:spTree>
+    <p:extLst>
+      <p:ext uri="{BB962C8B-B14F-4D97-AF65-F5344CB8AC3E}">
+        <p14:creationId xmlns:p14="http://schemas.microsoft.com/office/powerpoint/2010/main" val="2814322848"/>
+      </p:ext>
+    </p:extLst>
+  </p:cSld>
+  <p:clrMapOvr>
+    <a:masterClrMapping/>
+  </p:clrMapOvr>
+  <p:timing>
+    <p:tnLst>
+      <p:par>
+        <p:cTn id="1" dur="indefinite" restart="never" nodeType="tmRoot"/>
+      </p:par>
+    </p:tnLst>
+  </p:timing>
+</p:sld>
+</file>
+
+<file path=ppt/slides/slide19.xml><?xml version="1.0" encoding="utf-8"?>
+<p:sld xmlns:a="http://schemas.openxmlformats.org/drawingml/2006/main" xmlns:r="http://schemas.openxmlformats.org/officeDocument/2006/relationships" xmlns:p="http://schemas.openxmlformats.org/presentationml/2006/main">
+  <p:cSld>
+    <p:spTree>
+      <p:nvGrpSpPr>
+        <p:cNvPr id="1" name=""/>
+        <p:cNvGrpSpPr/>
+        <p:nvPr/>
+      </p:nvGrpSpPr>
+      <p:grpSpPr>
+        <a:xfrm>
+          <a:off x="0" y="0"/>
+          <a:ext cx="0" cy="0"/>
+          <a:chOff x="0" y="0"/>
+          <a:chExt cx="0" cy="0"/>
+        </a:xfrm>
+      </p:grpSpPr>
+      <p:sp>
+        <p:nvSpPr>
+          <p:cNvPr id="2" name="Заголовок 1"/>
+          <p:cNvSpPr>
+            <a:spLocks noGrp="1"/>
+          </p:cNvSpPr>
+          <p:nvPr>
+            <p:ph type="title"/>
+          </p:nvPr>
+        </p:nvSpPr>
+        <p:spPr/>
+        <p:txBody>
+          <a:bodyPr/>
+          <a:lstStyle/>
+          <a:p>
+            <a:r>
+              <a:rPr lang="ru-RU" dirty="0"/>
+              <a:t>Перегрузка на основе концептов</a:t>
+            </a:r>
+          </a:p>
+        </p:txBody>
+      </p:sp>
+      <p:sp>
+        <p:nvSpPr>
+          <p:cNvPr id="3" name="Объект 2"/>
+          <p:cNvSpPr>
+            <a:spLocks noGrp="1"/>
+          </p:cNvSpPr>
+          <p:nvPr>
+            <p:ph idx="1"/>
+          </p:nvPr>
+        </p:nvSpPr>
+        <p:spPr>
+          <a:xfrm>
+            <a:off x="838200" y="1825625"/>
+            <a:ext cx="10877550" cy="4879976"/>
+          </a:xfrm>
+        </p:spPr>
+        <p:txBody>
+          <a:bodyPr>
+            <a:normAutofit fontScale="92500" lnSpcReduction="10000"/>
+          </a:bodyPr>
+          <a:lstStyle/>
+          <a:p>
+            <a:r>
+              <a:rPr lang="ru-RU" dirty="0"/>
+              <a:t>Концепт с наиболее строгими предикатами, которые уточняют, ужесточают требования к типу, называется более строгим концептом по отношению к </a:t>
+            </a:r>
+            <a:r>
+              <a:rPr lang="ru-RU" dirty="0" smtClean="0"/>
+              <a:t>другим.</a:t>
+            </a:r>
+          </a:p>
+          <a:p>
+            <a:pPr lvl="1">
+              <a:buFont typeface="Wingdings" panose="05000000000000000000" pitchFamily="2" charset="2"/>
+              <a:buChar char="Ø"/>
+            </a:pPr>
+            <a:r>
+              <a:rPr lang="ru-RU" dirty="0" smtClean="0"/>
+              <a:t>Концепт </a:t>
+            </a:r>
+            <a:r>
+              <a:rPr lang="en-US" i="1" dirty="0" smtClean="0">
+                <a:solidFill>
+                  <a:srgbClr val="0070C0"/>
+                </a:solidFill>
+              </a:rPr>
+              <a:t>std::random_access_iterator</a:t>
+            </a:r>
+            <a:r>
+              <a:rPr lang="ru-RU" i="1" dirty="0" smtClean="0">
+                <a:solidFill>
+                  <a:srgbClr val="0070C0"/>
+                </a:solidFill>
+              </a:rPr>
+              <a:t> </a:t>
+            </a:r>
+            <a:r>
+              <a:rPr lang="ru-RU" dirty="0" smtClean="0"/>
+              <a:t>более строг</a:t>
+            </a:r>
+            <a:r>
+              <a:rPr lang="en-US" dirty="0" smtClean="0"/>
+              <a:t>, </a:t>
+            </a:r>
+            <a:r>
+              <a:rPr lang="ru-RU" dirty="0" smtClean="0"/>
+              <a:t>чем </a:t>
+            </a:r>
+            <a:r>
+              <a:rPr lang="en-US" i="1" dirty="0" smtClean="0">
+                <a:solidFill>
+                  <a:schemeClr val="accent2">
+                    <a:lumMod val="75000"/>
+                  </a:schemeClr>
+                </a:solidFill>
+              </a:rPr>
+              <a:t>forward_iterator</a:t>
+            </a:r>
+            <a:endParaRPr lang="ru-RU" i="1" dirty="0" smtClean="0">
+              <a:solidFill>
+                <a:schemeClr val="accent2">
+                  <a:lumMod val="75000"/>
+                </a:schemeClr>
+              </a:solidFill>
+            </a:endParaRPr>
+          </a:p>
+          <a:p>
+            <a:endParaRPr lang="ru-RU" dirty="0" smtClean="0"/>
+          </a:p>
+          <a:p>
+            <a:r>
+              <a:rPr lang="ru-RU" dirty="0" smtClean="0"/>
+              <a:t>Все </a:t>
+            </a:r>
+            <a:r>
+              <a:rPr lang="ru-RU" dirty="0"/>
+              <a:t>происходит на этапе компиляции</a:t>
+            </a:r>
+            <a:r>
+              <a:rPr lang="ru-RU" dirty="0" smtClean="0"/>
+              <a:t>.</a:t>
+            </a:r>
+          </a:p>
+          <a:p>
+            <a:endParaRPr lang="ru-RU" dirty="0" smtClean="0"/>
+          </a:p>
+          <a:p>
+            <a:r>
+              <a:rPr lang="ru-RU" dirty="0" smtClean="0"/>
+              <a:t>Если </a:t>
+            </a:r>
+            <a:r>
+              <a:rPr lang="ru-RU" dirty="0"/>
+              <a:t>не подходит ни одна из альтернатив перегрузки, компилятор сообщает об этом.</a:t>
+            </a:r>
+            <a:r>
+              <a:rPr lang="ru-RU" dirty="0"/>
+              <a:t/>
+            </a:r>
+            <a:br>
+              <a:rPr lang="ru-RU" dirty="0"/>
+            </a:br>
+            <a:r>
+              <a:rPr lang="ru-RU" dirty="0"/>
+              <a:t>Если подходит одна, то она выбирается.</a:t>
+            </a:r>
+            <a:r>
+              <a:rPr lang="ru-RU" dirty="0"/>
+              <a:t/>
+            </a:r>
+            <a:br>
+              <a:rPr lang="ru-RU" dirty="0"/>
+            </a:br>
+            <a:r>
+              <a:rPr lang="ru-RU" dirty="0"/>
+              <a:t>Еслт подходит две или больше то выбирается самая строгая альтернатива, если среди них нельзя выбрать самую строгую, то возникает неоднозначность</a:t>
+            </a:r>
+            <a:r>
+              <a:rPr lang="ru-RU" dirty="0" smtClean="0"/>
+              <a:t>.</a:t>
+            </a:r>
+            <a:endParaRPr lang="ru-RU" dirty="0"/>
+          </a:p>
+        </p:txBody>
+      </p:sp>
+    </p:spTree>
+    <p:extLst>
+      <p:ext uri="{BB962C8B-B14F-4D97-AF65-F5344CB8AC3E}">
+        <p14:creationId xmlns:p14="http://schemas.microsoft.com/office/powerpoint/2010/main" val="2793614625"/>
+      </p:ext>
+    </p:extLst>
+  </p:cSld>
+  <p:clrMapOvr>
+    <a:masterClrMapping/>
+  </p:clrMapOvr>
+  <p:timing>
+    <p:tnLst>
+      <p:par>
+        <p:cTn id="1" dur="indefinite" restart="never" nodeType="tmRoot"/>
+      </p:par>
+    </p:tnLst>
+  </p:timing>
 </p:sld>
 </file>
 
@@ -3079,7 +4542,11 @@
           <a:bodyPr/>
           <a:lstStyle/>
           <a:p>
-            <a:endParaRPr lang="ru-RU"/>
+            <a:r>
+              <a:rPr lang="ru-RU" dirty="0" smtClean="0"/>
+              <a:t>Введение</a:t>
+            </a:r>
+            <a:endParaRPr lang="ru-RU" dirty="0"/>
           </a:p>
         </p:txBody>
       </p:sp>
@@ -3093,16 +4560,97 @@
             <p:ph idx="1"/>
           </p:nvPr>
         </p:nvSpPr>
-        <p:spPr/>
-        <p:txBody>
-          <a:bodyPr/>
-          <a:lstStyle/>
-          <a:p>
-            <a:r>
-              <a:rPr lang="en-US" dirty="0" smtClean="0"/>
-              <a:t>Material be here</a:t>
-            </a:r>
-            <a:endParaRPr lang="ru-RU" dirty="0"/>
+        <p:spPr>
+          <a:xfrm>
+            <a:off x="495300" y="1825624"/>
+            <a:ext cx="11068050" cy="4708526"/>
+          </a:xfrm>
+        </p:spPr>
+        <p:txBody>
+          <a:bodyPr>
+            <a:normAutofit/>
+          </a:bodyPr>
+          <a:lstStyle/>
+          <a:p>
+            <a:r>
+              <a:rPr lang="ru-RU" dirty="0"/>
+              <a:t>Обобщённое программирование - программирование, ориентированное на написание и использование общих алгоритмов. (алгоритм может принимать широкое разнообразие типов, лишь бы они удовлетворяли требованиям алгоритма к его </a:t>
+            </a:r>
+            <a:r>
+              <a:rPr lang="ru-RU" dirty="0" smtClean="0"/>
+              <a:t>аргументам)</a:t>
+            </a:r>
+            <a:endParaRPr lang="ru-RU" dirty="0" smtClean="0"/>
+          </a:p>
+          <a:p>
+            <a:pPr lvl="1">
+              <a:buFont typeface="Wingdings" panose="05000000000000000000" pitchFamily="2" charset="2"/>
+              <a:buChar char="Ø"/>
+            </a:pPr>
+            <a:r>
+              <a:rPr lang="ru-RU" sz="2800" dirty="0"/>
+              <a:t>Шаблоны (с++11) -</a:t>
+            </a:r>
+            <a:r>
+              <a:rPr lang="en-US" sz="2800" dirty="0"/>
+              <a:t>&gt;</a:t>
+            </a:r>
+            <a:r>
+              <a:rPr lang="ru-RU" sz="2800" dirty="0"/>
+              <a:t> </a:t>
+            </a:r>
+            <a:r>
+              <a:rPr lang="ru-RU" sz="2800" dirty="0" smtClean="0"/>
+              <a:t>база</a:t>
+            </a:r>
+          </a:p>
+          <a:p>
+            <a:pPr lvl="1">
+              <a:buFont typeface="Wingdings" panose="05000000000000000000" pitchFamily="2" charset="2"/>
+              <a:buChar char="Ø"/>
+            </a:pPr>
+            <a:r>
+              <a:rPr lang="ru-RU" sz="2800" dirty="0" smtClean="0"/>
+              <a:t>Концепты </a:t>
+            </a:r>
+            <a:r>
+              <a:rPr lang="ru-RU" sz="2800" dirty="0" smtClean="0"/>
+              <a:t>(с++20) </a:t>
+            </a:r>
+            <a:r>
+              <a:rPr lang="en-US" sz="2800" dirty="0" smtClean="0"/>
+              <a:t>-&gt; </a:t>
+            </a:r>
+            <a:r>
+              <a:rPr lang="ru-RU" sz="2800" dirty="0" smtClean="0"/>
+              <a:t>дополнение к шаблонам</a:t>
+            </a:r>
+          </a:p>
+          <a:p>
+            <a:pPr lvl="1">
+              <a:buFont typeface="Wingdings" panose="05000000000000000000" pitchFamily="2" charset="2"/>
+              <a:buChar char="Ø"/>
+            </a:pPr>
+            <a:endParaRPr lang="ru-RU" sz="2800" dirty="0" smtClean="0"/>
+          </a:p>
+          <a:p>
+            <a:pPr lvl="1">
+              <a:buFont typeface="Wingdings" panose="05000000000000000000" pitchFamily="2" charset="2"/>
+              <a:buChar char="Ø"/>
+            </a:pPr>
+            <a:endParaRPr lang="ru-RU" sz="2800" dirty="0" smtClean="0"/>
+          </a:p>
+          <a:p>
+            <a:r>
+              <a:rPr lang="ru-RU" sz="3200" dirty="0" smtClean="0"/>
+              <a:t>Шаблоны позволяют обобщить алгоритмы и сделать код более универсальным</a:t>
+            </a:r>
+          </a:p>
+          <a:p>
+            <a:pPr marL="457200" lvl="1" indent="0">
+              <a:buNone/>
+            </a:pPr>
+            <a:endParaRPr lang="ru-RU" sz="2800" dirty="0" smtClean="0"/>
           </a:p>
         </p:txBody>
       </p:sp>
@@ -3116,6 +4664,194 @@
   <p:clrMapOvr>
     <a:masterClrMapping/>
   </p:clrMapOvr>
+  <p:timing>
+    <p:tnLst>
+      <p:par>
+        <p:cTn id="1" dur="indefinite" restart="never" nodeType="tmRoot"/>
+      </p:par>
+    </p:tnLst>
+  </p:timing>
+</p:sld>
+</file>
+
+<file path=ppt/slides/slide20.xml><?xml version="1.0" encoding="utf-8"?>
+<p:sld xmlns:a="http://schemas.openxmlformats.org/drawingml/2006/main" xmlns:r="http://schemas.openxmlformats.org/officeDocument/2006/relationships" xmlns:p="http://schemas.openxmlformats.org/presentationml/2006/main">
+  <p:cSld>
+    <p:spTree>
+      <p:nvGrpSpPr>
+        <p:cNvPr id="1" name=""/>
+        <p:cNvGrpSpPr/>
+        <p:nvPr/>
+      </p:nvGrpSpPr>
+      <p:grpSpPr>
+        <a:xfrm>
+          <a:off x="0" y="0"/>
+          <a:ext cx="0" cy="0"/>
+          <a:chOff x="0" y="0"/>
+          <a:chExt cx="0" cy="0"/>
+        </a:xfrm>
+      </p:grpSpPr>
+      <p:sp>
+        <p:nvSpPr>
+          <p:cNvPr id="2" name="Заголовок 1"/>
+          <p:cNvSpPr>
+            <a:spLocks noGrp="1"/>
+          </p:cNvSpPr>
+          <p:nvPr>
+            <p:ph type="title"/>
+          </p:nvPr>
+        </p:nvSpPr>
+        <p:spPr/>
+        <p:txBody>
+          <a:bodyPr/>
+          <a:lstStyle/>
+          <a:p>
+            <a:r>
+              <a:rPr lang="ru-RU" dirty="0" smtClean="0"/>
+              <a:t>Заключение</a:t>
+            </a:r>
+            <a:endParaRPr lang="ru-RU" dirty="0"/>
+          </a:p>
+        </p:txBody>
+      </p:sp>
+      <p:sp>
+        <p:nvSpPr>
+          <p:cNvPr id="3" name="Объект 2"/>
+          <p:cNvSpPr>
+            <a:spLocks noGrp="1"/>
+          </p:cNvSpPr>
+          <p:nvPr>
+            <p:ph idx="1"/>
+          </p:nvPr>
+        </p:nvSpPr>
+        <p:spPr/>
+        <p:txBody>
+          <a:bodyPr/>
+          <a:lstStyle/>
+          <a:p>
+            <a:r>
+              <a:rPr lang="ru-RU" dirty="0"/>
+              <a:t>Концепт - предикат времени компиляции, указывающий, каким образом можно использовать один или несколько типов</a:t>
+            </a:r>
+            <a:r>
+              <a:rPr lang="ru-RU" dirty="0" smtClean="0"/>
+              <a:t>.</a:t>
+            </a:r>
+          </a:p>
+          <a:p>
+            <a:r>
+              <a:rPr lang="ru-RU" dirty="0" smtClean="0"/>
+              <a:t>Благодаря концепту, компилятор может сразу по интерфейсу функции определить, подходит ли тип. В противном случае, ошибка будет обнаружена слишком поздно: на этапе инстанцирования шаблона, либо </a:t>
+            </a:r>
+            <a:r>
+              <a:rPr lang="en-US" dirty="0" smtClean="0"/>
+              <a:t>UB.</a:t>
+            </a:r>
+          </a:p>
+          <a:p>
+            <a:r>
+              <a:rPr lang="ru-RU" dirty="0" smtClean="0"/>
+              <a:t>Концепт делает написание обобщенного кода более эффективным.</a:t>
+            </a:r>
+            <a:endParaRPr lang="en-US" dirty="0" smtClean="0"/>
+          </a:p>
+        </p:txBody>
+      </p:sp>
+    </p:spTree>
+    <p:extLst>
+      <p:ext uri="{BB962C8B-B14F-4D97-AF65-F5344CB8AC3E}">
+        <p14:creationId xmlns:p14="http://schemas.microsoft.com/office/powerpoint/2010/main" val="2834721961"/>
+      </p:ext>
+    </p:extLst>
+  </p:cSld>
+  <p:clrMapOvr>
+    <a:masterClrMapping/>
+  </p:clrMapOvr>
+  <p:timing>
+    <p:tnLst>
+      <p:par>
+        <p:cTn id="1" dur="indefinite" restart="never" nodeType="tmRoot"/>
+      </p:par>
+    </p:tnLst>
+  </p:timing>
+</p:sld>
+</file>
+
+<file path=ppt/slides/slide21.xml><?xml version="1.0" encoding="utf-8"?>
+<p:sld xmlns:a="http://schemas.openxmlformats.org/drawingml/2006/main" xmlns:r="http://schemas.openxmlformats.org/officeDocument/2006/relationships" xmlns:p="http://schemas.openxmlformats.org/presentationml/2006/main">
+  <p:cSld>
+    <p:spTree>
+      <p:nvGrpSpPr>
+        <p:cNvPr id="1" name=""/>
+        <p:cNvGrpSpPr/>
+        <p:nvPr/>
+      </p:nvGrpSpPr>
+      <p:grpSpPr>
+        <a:xfrm>
+          <a:off x="0" y="0"/>
+          <a:ext cx="0" cy="0"/>
+          <a:chOff x="0" y="0"/>
+          <a:chExt cx="0" cy="0"/>
+        </a:xfrm>
+      </p:grpSpPr>
+      <p:pic>
+        <p:nvPicPr>
+          <p:cNvPr id="16386" name="Picture 2" descr="https://i.pinimg.com/736x/b4/8f/d1/b48fd17cd0aadc99281d216d087d7c00.jpg"/>
+          <p:cNvPicPr>
+            <a:picLocks noChangeAspect="1" noChangeArrowheads="1"/>
+          </p:cNvPicPr>
+          <p:nvPr/>
+        </p:nvPicPr>
+        <p:blipFill>
+          <a:blip r:embed="rId2">
+            <a:extLst>
+              <a:ext uri="{28A0092B-C50C-407E-A947-70E740481C1C}">
+                <a14:useLocalDpi xmlns:a14="http://schemas.microsoft.com/office/drawing/2010/main" val="0"/>
+              </a:ext>
+            </a:extLst>
+          </a:blip>
+          <a:srcRect/>
+          <a:stretch>
+            <a:fillRect/>
+          </a:stretch>
+        </p:blipFill>
+        <p:spPr bwMode="auto">
+          <a:xfrm>
+            <a:off x="3676649" y="361950"/>
+            <a:ext cx="5143501" cy="6215065"/>
+          </a:xfrm>
+          <a:prstGeom prst="rect">
+            <a:avLst/>
+          </a:prstGeom>
+          <a:noFill/>
+          <a:extLst>
+            <a:ext uri="{909E8E84-426E-40DD-AFC4-6F175D3DCCD1}">
+              <a14:hiddenFill xmlns:a14="http://schemas.microsoft.com/office/drawing/2010/main">
+                <a:solidFill>
+                  <a:srgbClr val="FFFFFF"/>
+                </a:solidFill>
+              </a14:hiddenFill>
+            </a:ext>
+          </a:extLst>
+        </p:spPr>
+      </p:pic>
+    </p:spTree>
+    <p:extLst>
+      <p:ext uri="{BB962C8B-B14F-4D97-AF65-F5344CB8AC3E}">
+        <p14:creationId xmlns:p14="http://schemas.microsoft.com/office/powerpoint/2010/main" val="3797918606"/>
+      </p:ext>
+    </p:extLst>
+  </p:cSld>
+  <p:clrMapOvr>
+    <a:masterClrMapping/>
+  </p:clrMapOvr>
+  <p:timing>
+    <p:tnLst>
+      <p:par>
+        <p:cTn id="1" dur="indefinite" restart="never" nodeType="tmRoot"/>
+      </p:par>
+    </p:tnLst>
+  </p:timing>
 </p:sld>
 </file>
 
@@ -3146,38 +4882,106 @@
             <p:ph type="title"/>
           </p:nvPr>
         </p:nvSpPr>
-        <p:spPr/>
-        <p:txBody>
-          <a:bodyPr/>
-          <a:lstStyle/>
-          <a:p>
-            <a:endParaRPr lang="ru-RU"/>
-          </a:p>
-        </p:txBody>
-      </p:sp>
-      <p:sp>
-        <p:nvSpPr>
-          <p:cNvPr id="3" name="Объект 2"/>
-          <p:cNvSpPr>
-            <a:spLocks noGrp="1"/>
-          </p:cNvSpPr>
-          <p:nvPr>
-            <p:ph idx="1"/>
-          </p:nvPr>
-        </p:nvSpPr>
-        <p:spPr/>
-        <p:txBody>
-          <a:bodyPr/>
-          <a:lstStyle/>
-          <a:p>
-            <a:r>
-              <a:rPr lang="en-US" dirty="0" smtClean="0"/>
-              <a:t>Material be here</a:t>
+        <p:spPr>
+          <a:xfrm>
+            <a:off x="169891" y="0"/>
+            <a:ext cx="10515600" cy="1325563"/>
+          </a:xfrm>
+        </p:spPr>
+        <p:txBody>
+          <a:bodyPr/>
+          <a:lstStyle/>
+          <a:p>
+            <a:r>
+              <a:rPr lang="ru-RU" dirty="0" smtClean="0"/>
+              <a:t>Пример</a:t>
             </a:r>
             <a:endParaRPr lang="ru-RU" dirty="0"/>
           </a:p>
         </p:txBody>
       </p:sp>
+      <p:pic>
+        <p:nvPicPr>
+          <p:cNvPr id="1026" name="Picture 2" descr="https://sun9-54.userapi.com/impg/ERzdJZz3khJwDkdjA2r2YexSROYrYK8q30qy8w/Q1Dg_w9zDMc.jpg?size=388x420&amp;quality=96&amp;sign=c245504bc4d4ec6b3063dab3694f2f2c&amp;type=album"/>
+          <p:cNvPicPr>
+            <a:picLocks noChangeAspect="1" noChangeArrowheads="1"/>
+          </p:cNvPicPr>
+          <p:nvPr/>
+        </p:nvPicPr>
+        <p:blipFill>
+          <a:blip r:embed="rId2">
+            <a:extLst>
+              <a:ext uri="{28A0092B-C50C-407E-A947-70E740481C1C}">
+                <a14:useLocalDpi xmlns:a14="http://schemas.microsoft.com/office/drawing/2010/main" val="0"/>
+              </a:ext>
+            </a:extLst>
+          </a:blip>
+          <a:srcRect/>
+          <a:stretch>
+            <a:fillRect/>
+          </a:stretch>
+        </p:blipFill>
+        <p:spPr bwMode="auto">
+          <a:xfrm>
+            <a:off x="169891" y="1555432"/>
+            <a:ext cx="4596872" cy="4975997"/>
+          </a:xfrm>
+          <a:prstGeom prst="rect">
+            <a:avLst/>
+          </a:prstGeom>
+          <a:noFill/>
+          <a:extLst>
+            <a:ext uri="{909E8E84-426E-40DD-AFC4-6F175D3DCCD1}">
+              <a14:hiddenFill xmlns:a14="http://schemas.microsoft.com/office/drawing/2010/main">
+                <a:solidFill>
+                  <a:srgbClr val="FFFFFF"/>
+                </a:solidFill>
+              </a14:hiddenFill>
+            </a:ext>
+          </a:extLst>
+        </p:spPr>
+      </p:pic>
+      <p:pic>
+        <p:nvPicPr>
+          <p:cNvPr id="1028" name="Picture 4" descr="https://sun9-4.userapi.com/impg/sWTya3yQ0wSfxqSI6K5PmXIT8nDn9pI4K37UUg/pIySl9Lcw6E.jpg?size=719x500&amp;quality=96&amp;sign=ebffb6c2f449d010281af647bcf8ab23&amp;type=album"/>
+          <p:cNvPicPr>
+            <a:picLocks noChangeAspect="1" noChangeArrowheads="1"/>
+          </p:cNvPicPr>
+          <p:nvPr/>
+        </p:nvPicPr>
+        <p:blipFill>
+          <a:blip r:embed="rId3">
+            <a:extLst>
+              <a:ext uri="{28A0092B-C50C-407E-A947-70E740481C1C}">
+                <a14:useLocalDpi xmlns:a14="http://schemas.microsoft.com/office/drawing/2010/main" val="0"/>
+              </a:ext>
+            </a:extLst>
+          </a:blip>
+          <a:srcRect/>
+          <a:stretch>
+            <a:fillRect/>
+          </a:stretch>
+        </p:blipFill>
+        <p:spPr bwMode="auto">
+          <a:xfrm>
+            <a:off x="4866625" y="1555432"/>
+            <a:ext cx="7155484" cy="4975997"/>
+          </a:xfrm>
+          <a:prstGeom prst="rect">
+            <a:avLst/>
+          </a:prstGeom>
+          <a:noFill/>
+          <a:extLst>
+            <a:ext uri="{909E8E84-426E-40DD-AFC4-6F175D3DCCD1}">
+              <a14:hiddenFill xmlns:a14="http://schemas.microsoft.com/office/drawing/2010/main">
+                <a:solidFill>
+                  <a:srgbClr val="FFFFFF"/>
+                </a:solidFill>
+              </a14:hiddenFill>
+            </a:ext>
+          </a:extLst>
+        </p:spPr>
+      </p:pic>
     </p:spTree>
     <p:extLst>
       <p:ext uri="{BB962C8B-B14F-4D97-AF65-F5344CB8AC3E}">
@@ -3188,6 +4992,13 @@
   <p:clrMapOvr>
     <a:masterClrMapping/>
   </p:clrMapOvr>
+  <p:timing>
+    <p:tnLst>
+      <p:par>
+        <p:cTn id="1" dur="indefinite" restart="never" nodeType="tmRoot"/>
+      </p:par>
+    </p:tnLst>
+  </p:timing>
 </p:sld>
 </file>
 
@@ -3218,48 +5029,140 @@
             <p:ph type="title"/>
           </p:nvPr>
         </p:nvSpPr>
-        <p:spPr/>
-        <p:txBody>
-          <a:bodyPr/>
-          <a:lstStyle/>
-          <a:p>
-            <a:endParaRPr lang="ru-RU"/>
-          </a:p>
-        </p:txBody>
-      </p:sp>
-      <p:sp>
-        <p:nvSpPr>
-          <p:cNvPr id="3" name="Объект 2"/>
-          <p:cNvSpPr>
-            <a:spLocks noGrp="1"/>
-          </p:cNvSpPr>
-          <p:nvPr>
-            <p:ph idx="1"/>
-          </p:nvPr>
-        </p:nvSpPr>
-        <p:spPr/>
-        <p:txBody>
-          <a:bodyPr/>
-          <a:lstStyle/>
-          <a:p>
-            <a:r>
-              <a:rPr lang="en-US" dirty="0" smtClean="0"/>
-              <a:t>Material be here</a:t>
+        <p:spPr>
+          <a:xfrm>
+            <a:off x="289560" y="8785"/>
+            <a:ext cx="10515600" cy="1325563"/>
+          </a:xfrm>
+        </p:spPr>
+        <p:txBody>
+          <a:bodyPr/>
+          <a:lstStyle/>
+          <a:p>
+            <a:r>
+              <a:rPr lang="ru-RU" dirty="0" smtClean="0"/>
+              <a:t>А что если</a:t>
             </a:r>
             <a:endParaRPr lang="ru-RU" dirty="0"/>
+          </a:p>
+        </p:txBody>
+      </p:sp>
+      <p:pic>
+        <p:nvPicPr>
+          <p:cNvPr id="3074" name="Picture 2" descr="https://sun9-31.userapi.com/impg/Zmr3OsSqJr7gO4kquIb9nSXxSQIPhHsv64ob6g/H58tBiYTdXc.jpg?size=832x610&amp;quality=96&amp;sign=4727d89f1345d1f837f3bb6b7b990346&amp;type=album"/>
+          <p:cNvPicPr>
+            <a:picLocks noChangeAspect="1" noChangeArrowheads="1"/>
+          </p:cNvPicPr>
+          <p:nvPr/>
+        </p:nvPicPr>
+        <p:blipFill>
+          <a:blip r:embed="rId2">
+            <a:extLst>
+              <a:ext uri="{28A0092B-C50C-407E-A947-70E740481C1C}">
+                <a14:useLocalDpi xmlns:a14="http://schemas.microsoft.com/office/drawing/2010/main" val="0"/>
+              </a:ext>
+            </a:extLst>
+          </a:blip>
+          <a:srcRect/>
+          <a:stretch>
+            <a:fillRect/>
+          </a:stretch>
+        </p:blipFill>
+        <p:spPr bwMode="auto">
+          <a:xfrm>
+            <a:off x="182880" y="1334348"/>
+            <a:ext cx="7310846" cy="5360117"/>
+          </a:xfrm>
+          <a:prstGeom prst="rect">
+            <a:avLst/>
+          </a:prstGeom>
+          <a:noFill/>
+          <a:extLst>
+            <a:ext uri="{909E8E84-426E-40DD-AFC4-6F175D3DCCD1}">
+              <a14:hiddenFill xmlns:a14="http://schemas.microsoft.com/office/drawing/2010/main">
+                <a:solidFill>
+                  <a:srgbClr val="FFFFFF"/>
+                </a:solidFill>
+              </a14:hiddenFill>
+            </a:ext>
+          </a:extLst>
+        </p:spPr>
+      </p:pic>
+      <p:sp>
+        <p:nvSpPr>
+          <p:cNvPr id="3" name="Прямоугольник 2"/>
+          <p:cNvSpPr/>
+          <p:nvPr/>
+        </p:nvSpPr>
+        <p:spPr>
+          <a:xfrm>
+            <a:off x="7652464" y="5001694"/>
+            <a:ext cx="3758486" cy="1692771"/>
+          </a:xfrm>
+          <a:prstGeom prst="rect">
+            <a:avLst/>
+          </a:prstGeom>
+        </p:spPr>
+        <p:txBody>
+          <a:bodyPr wrap="square">
+            <a:spAutoFit/>
+          </a:bodyPr>
+          <a:lstStyle/>
+          <a:p>
+            <a:r>
+              <a:rPr lang="ru-RU" sz="2600" dirty="0"/>
+              <a:t>вместо аккумулятора </a:t>
+            </a:r>
+            <a:r>
+              <a:rPr lang="ru-RU" sz="2600" dirty="0" smtClean="0"/>
+              <a:t>передать </a:t>
+            </a:r>
+            <a:r>
+              <a:rPr lang="en-US" sz="2600" dirty="0"/>
+              <a:t>const </a:t>
+            </a:r>
+            <a:r>
+              <a:rPr lang="en-US" sz="2600" dirty="0"/>
+              <a:t>char</a:t>
+            </a:r>
+            <a:r>
+              <a:rPr lang="en-US" sz="2600" dirty="0"/>
+              <a:t>* </a:t>
+            </a:r>
+            <a:r>
+              <a:rPr lang="ru-RU" sz="2600" dirty="0"/>
+              <a:t>или </a:t>
+            </a:r>
+            <a:r>
+              <a:rPr lang="en-US" sz="2600" dirty="0"/>
+              <a:t>string?</a:t>
+            </a:r>
+            <a:endParaRPr lang="ru-RU" sz="2600" dirty="0"/>
+          </a:p>
+          <a:p>
+            <a:endParaRPr lang="ru-RU" sz="2600" dirty="0">
+              <a:latin typeface="+mj-lt"/>
+            </a:endParaRPr>
           </a:p>
         </p:txBody>
       </p:sp>
     </p:spTree>
     <p:extLst>
       <p:ext uri="{BB962C8B-B14F-4D97-AF65-F5344CB8AC3E}">
-        <p14:creationId xmlns:p14="http://schemas.microsoft.com/office/powerpoint/2010/main" val="285261688"/>
+        <p14:creationId xmlns:p14="http://schemas.microsoft.com/office/powerpoint/2010/main" val="179471078"/>
       </p:ext>
     </p:extLst>
   </p:cSld>
   <p:clrMapOvr>
     <a:masterClrMapping/>
   </p:clrMapOvr>
+  <p:timing>
+    <p:tnLst>
+      <p:par>
+        <p:cTn id="1" dur="indefinite" restart="never" nodeType="tmRoot"/>
+      </p:par>
+    </p:tnLst>
+  </p:timing>
 </p:sld>
 </file>
 
@@ -3290,48 +5193,181 @@
             <p:ph type="title"/>
           </p:nvPr>
         </p:nvSpPr>
-        <p:spPr/>
-        <p:txBody>
-          <a:bodyPr/>
-          <a:lstStyle/>
-          <a:p>
-            <a:endParaRPr lang="ru-RU"/>
-          </a:p>
-        </p:txBody>
-      </p:sp>
-      <p:sp>
-        <p:nvSpPr>
-          <p:cNvPr id="3" name="Объект 2"/>
-          <p:cNvSpPr>
-            <a:spLocks noGrp="1"/>
-          </p:cNvSpPr>
-          <p:nvPr>
-            <p:ph idx="1"/>
-          </p:nvPr>
-        </p:nvSpPr>
-        <p:spPr/>
-        <p:txBody>
-          <a:bodyPr/>
-          <a:lstStyle/>
-          <a:p>
-            <a:r>
-              <a:rPr lang="en-US" dirty="0" smtClean="0"/>
-              <a:t>Material be here</a:t>
+        <p:spPr>
+          <a:xfrm>
+            <a:off x="289560" y="8785"/>
+            <a:ext cx="10515600" cy="1325563"/>
+          </a:xfrm>
+        </p:spPr>
+        <p:txBody>
+          <a:bodyPr/>
+          <a:lstStyle/>
+          <a:p>
+            <a:r>
+              <a:rPr lang="ru-RU" dirty="0" smtClean="0"/>
+              <a:t>А что если</a:t>
             </a:r>
             <a:endParaRPr lang="ru-RU" dirty="0"/>
+          </a:p>
+        </p:txBody>
+      </p:sp>
+      <p:pic>
+        <p:nvPicPr>
+          <p:cNvPr id="3074" name="Picture 2" descr="https://sun9-31.userapi.com/impg/Zmr3OsSqJr7gO4kquIb9nSXxSQIPhHsv64ob6g/H58tBiYTdXc.jpg?size=832x610&amp;quality=96&amp;sign=4727d89f1345d1f837f3bb6b7b990346&amp;type=album"/>
+          <p:cNvPicPr>
+            <a:picLocks noChangeAspect="1" noChangeArrowheads="1"/>
+          </p:cNvPicPr>
+          <p:nvPr/>
+        </p:nvPicPr>
+        <p:blipFill>
+          <a:blip r:embed="rId2">
+            <a:extLst>
+              <a:ext uri="{28A0092B-C50C-407E-A947-70E740481C1C}">
+                <a14:useLocalDpi xmlns:a14="http://schemas.microsoft.com/office/drawing/2010/main" val="0"/>
+              </a:ext>
+            </a:extLst>
+          </a:blip>
+          <a:srcRect/>
+          <a:stretch>
+            <a:fillRect/>
+          </a:stretch>
+        </p:blipFill>
+        <p:spPr bwMode="auto">
+          <a:xfrm>
+            <a:off x="182880" y="1334348"/>
+            <a:ext cx="7310846" cy="5360117"/>
+          </a:xfrm>
+          <a:prstGeom prst="rect">
+            <a:avLst/>
+          </a:prstGeom>
+          <a:noFill/>
+          <a:extLst>
+            <a:ext uri="{909E8E84-426E-40DD-AFC4-6F175D3DCCD1}">
+              <a14:hiddenFill xmlns:a14="http://schemas.microsoft.com/office/drawing/2010/main">
+                <a:solidFill>
+                  <a:srgbClr val="FFFFFF"/>
+                </a:solidFill>
+              </a14:hiddenFill>
+            </a:ext>
+          </a:extLst>
+        </p:spPr>
+      </p:pic>
+      <p:pic>
+        <p:nvPicPr>
+          <p:cNvPr id="3082" name="Picture 10" descr="https://sun9-41.userapi.com/impg/D7SoptIH8mRKwWmpTVZpwaeQO53kJxKQkG--9w/90R-PWGSARM.jpg?size=389x116&amp;quality=96&amp;sign=70349bd2f24b143746c1c56b9daca38a&amp;type=album"/>
+          <p:cNvPicPr>
+            <a:picLocks noChangeAspect="1" noChangeArrowheads="1"/>
+          </p:cNvPicPr>
+          <p:nvPr/>
+        </p:nvPicPr>
+        <p:blipFill>
+          <a:blip r:embed="rId3">
+            <a:extLst>
+              <a:ext uri="{28A0092B-C50C-407E-A947-70E740481C1C}">
+                <a14:useLocalDpi xmlns:a14="http://schemas.microsoft.com/office/drawing/2010/main" val="0"/>
+              </a:ext>
+            </a:extLst>
+          </a:blip>
+          <a:srcRect/>
+          <a:stretch>
+            <a:fillRect/>
+          </a:stretch>
+        </p:blipFill>
+        <p:spPr bwMode="auto">
+          <a:xfrm>
+            <a:off x="5670372" y="2779440"/>
+            <a:ext cx="5923640" cy="1766434"/>
+          </a:xfrm>
+          <a:prstGeom prst="rect">
+            <a:avLst/>
+          </a:prstGeom>
+          <a:noFill/>
+          <a:extLst>
+            <a:ext uri="{909E8E84-426E-40DD-AFC4-6F175D3DCCD1}">
+              <a14:hiddenFill xmlns:a14="http://schemas.microsoft.com/office/drawing/2010/main">
+                <a:solidFill>
+                  <a:srgbClr val="FFFFFF"/>
+                </a:solidFill>
+              </a14:hiddenFill>
+            </a:ext>
+          </a:extLst>
+        </p:spPr>
+      </p:pic>
+      <p:sp>
+        <p:nvSpPr>
+          <p:cNvPr id="5" name="Прямоугольник 4"/>
+          <p:cNvSpPr/>
+          <p:nvPr/>
+        </p:nvSpPr>
+        <p:spPr>
+          <a:xfrm>
+            <a:off x="7652464" y="5001694"/>
+            <a:ext cx="3758486" cy="1692771"/>
+          </a:xfrm>
+          <a:prstGeom prst="rect">
+            <a:avLst/>
+          </a:prstGeom>
+        </p:spPr>
+        <p:txBody>
+          <a:bodyPr wrap="square">
+            <a:spAutoFit/>
+          </a:bodyPr>
+          <a:lstStyle/>
+          <a:p>
+            <a:r>
+              <a:rPr lang="ru-RU" sz="2600" dirty="0"/>
+              <a:t>вместо аккумулятора </a:t>
+            </a:r>
+            <a:r>
+              <a:rPr lang="ru-RU" sz="2600" dirty="0" smtClean="0"/>
+              <a:t>передать </a:t>
+            </a:r>
+            <a:r>
+              <a:rPr lang="en-US" sz="2600" dirty="0"/>
+              <a:t>const </a:t>
+            </a:r>
+            <a:r>
+              <a:rPr lang="en-US" sz="2600" dirty="0"/>
+              <a:t>char</a:t>
+            </a:r>
+            <a:r>
+              <a:rPr lang="en-US" sz="2600" dirty="0"/>
+              <a:t>* </a:t>
+            </a:r>
+            <a:r>
+              <a:rPr lang="ru-RU" sz="2600" dirty="0"/>
+              <a:t>или </a:t>
+            </a:r>
+            <a:r>
+              <a:rPr lang="en-US" sz="2600" dirty="0"/>
+              <a:t>string?</a:t>
+            </a:r>
+            <a:endParaRPr lang="ru-RU" sz="2600" dirty="0"/>
+          </a:p>
+          <a:p>
+            <a:endParaRPr lang="ru-RU" sz="2600" dirty="0">
+              <a:latin typeface="+mj-lt"/>
+            </a:endParaRPr>
           </a:p>
         </p:txBody>
       </p:sp>
     </p:spTree>
     <p:extLst>
       <p:ext uri="{BB962C8B-B14F-4D97-AF65-F5344CB8AC3E}">
-        <p14:creationId xmlns:p14="http://schemas.microsoft.com/office/powerpoint/2010/main" val="3994718763"/>
+        <p14:creationId xmlns:p14="http://schemas.microsoft.com/office/powerpoint/2010/main" val="222523369"/>
       </p:ext>
     </p:extLst>
   </p:cSld>
   <p:clrMapOvr>
     <a:masterClrMapping/>
   </p:clrMapOvr>
+  <p:timing>
+    <p:tnLst>
+      <p:par>
+        <p:cTn id="1" dur="indefinite" restart="never" nodeType="tmRoot"/>
+      </p:par>
+    </p:tnLst>
+  </p:timing>
 </p:sld>
 </file>
 
@@ -3362,48 +5398,124 @@
             <p:ph type="title"/>
           </p:nvPr>
         </p:nvSpPr>
-        <p:spPr/>
-        <p:txBody>
-          <a:bodyPr/>
-          <a:lstStyle/>
-          <a:p>
-            <a:endParaRPr lang="ru-RU"/>
-          </a:p>
-        </p:txBody>
-      </p:sp>
-      <p:sp>
-        <p:nvSpPr>
-          <p:cNvPr id="3" name="Объект 2"/>
-          <p:cNvSpPr>
-            <a:spLocks noGrp="1"/>
-          </p:cNvSpPr>
-          <p:nvPr>
-            <p:ph idx="1"/>
-          </p:nvPr>
-        </p:nvSpPr>
-        <p:spPr/>
-        <p:txBody>
-          <a:bodyPr/>
-          <a:lstStyle/>
-          <a:p>
-            <a:r>
-              <a:rPr lang="en-US" dirty="0" smtClean="0"/>
-              <a:t>Material be here</a:t>
+        <p:spPr>
+          <a:xfrm>
+            <a:off x="289560" y="8785"/>
+            <a:ext cx="10515600" cy="1325563"/>
+          </a:xfrm>
+        </p:spPr>
+        <p:txBody>
+          <a:bodyPr/>
+          <a:lstStyle/>
+          <a:p>
+            <a:r>
+              <a:rPr lang="ru-RU" dirty="0" smtClean="0"/>
+              <a:t>А что если</a:t>
             </a:r>
             <a:endParaRPr lang="ru-RU" dirty="0"/>
+          </a:p>
+        </p:txBody>
+      </p:sp>
+      <p:pic>
+        <p:nvPicPr>
+          <p:cNvPr id="4098" name="Picture 2" descr="https://sun9-77.userapi.com/impg/lzHih9f5TozgBG06UX7fuvrQiwhjXjYJ4SJMfQ/iAaVJJdGLDM.jpg?size=823x596&amp;quality=96&amp;sign=4300beb5f41270cdc19884362300a8ff&amp;type=album"/>
+          <p:cNvPicPr>
+            <a:picLocks noChangeAspect="1" noChangeArrowheads="1"/>
+          </p:cNvPicPr>
+          <p:nvPr/>
+        </p:nvPicPr>
+        <p:blipFill>
+          <a:blip r:embed="rId2">
+            <a:extLst>
+              <a:ext uri="{28A0092B-C50C-407E-A947-70E740481C1C}">
+                <a14:useLocalDpi xmlns:a14="http://schemas.microsoft.com/office/drawing/2010/main" val="0"/>
+              </a:ext>
+            </a:extLst>
+          </a:blip>
+          <a:srcRect/>
+          <a:stretch>
+            <a:fillRect/>
+          </a:stretch>
+        </p:blipFill>
+        <p:spPr bwMode="auto">
+          <a:xfrm>
+            <a:off x="273142" y="1081906"/>
+            <a:ext cx="7839075" cy="5676901"/>
+          </a:xfrm>
+          <a:prstGeom prst="rect">
+            <a:avLst/>
+          </a:prstGeom>
+          <a:noFill/>
+          <a:extLst>
+            <a:ext uri="{909E8E84-426E-40DD-AFC4-6F175D3DCCD1}">
+              <a14:hiddenFill xmlns:a14="http://schemas.microsoft.com/office/drawing/2010/main">
+                <a:solidFill>
+                  <a:srgbClr val="FFFFFF"/>
+                </a:solidFill>
+              </a14:hiddenFill>
+            </a:ext>
+          </a:extLst>
+        </p:spPr>
+      </p:pic>
+      <p:sp>
+        <p:nvSpPr>
+          <p:cNvPr id="6" name="Прямоугольник 5"/>
+          <p:cNvSpPr/>
+          <p:nvPr/>
+        </p:nvSpPr>
+        <p:spPr>
+          <a:xfrm>
+            <a:off x="8281114" y="5066036"/>
+            <a:ext cx="3758486" cy="1292662"/>
+          </a:xfrm>
+          <a:prstGeom prst="rect">
+            <a:avLst/>
+          </a:prstGeom>
+        </p:spPr>
+        <p:txBody>
+          <a:bodyPr wrap="square">
+            <a:spAutoFit/>
+          </a:bodyPr>
+          <a:lstStyle/>
+          <a:p>
+            <a:r>
+              <a:rPr lang="ru-RU" sz="2600" dirty="0"/>
+              <a:t>вместо аккумулятора </a:t>
+            </a:r>
+            <a:r>
+              <a:rPr lang="ru-RU" sz="2600" dirty="0" smtClean="0"/>
+              <a:t>передать </a:t>
+            </a:r>
+            <a:r>
+              <a:rPr lang="en-US" sz="2600" dirty="0" smtClean="0"/>
+              <a:t>vector&lt;int&gt;?</a:t>
+            </a:r>
+            <a:endParaRPr lang="ru-RU" sz="2600" dirty="0"/>
+          </a:p>
+          <a:p>
+            <a:endParaRPr lang="ru-RU" sz="2600" dirty="0">
+              <a:latin typeface="+mj-lt"/>
+            </a:endParaRPr>
           </a:p>
         </p:txBody>
       </p:sp>
     </p:spTree>
     <p:extLst>
       <p:ext uri="{BB962C8B-B14F-4D97-AF65-F5344CB8AC3E}">
-        <p14:creationId xmlns:p14="http://schemas.microsoft.com/office/powerpoint/2010/main" val="1955538003"/>
+        <p14:creationId xmlns:p14="http://schemas.microsoft.com/office/powerpoint/2010/main" val="3836247149"/>
       </p:ext>
     </p:extLst>
   </p:cSld>
   <p:clrMapOvr>
     <a:masterClrMapping/>
   </p:clrMapOvr>
+  <p:timing>
+    <p:tnLst>
+      <p:par>
+        <p:cTn id="1" dur="indefinite" restart="never" nodeType="tmRoot"/>
+      </p:par>
+    </p:tnLst>
+  </p:timing>
 </p:sld>
 </file>
 
@@ -3434,48 +5546,82 @@
             <p:ph type="title"/>
           </p:nvPr>
         </p:nvSpPr>
-        <p:spPr/>
-        <p:txBody>
-          <a:bodyPr/>
-          <a:lstStyle/>
-          <a:p>
-            <a:endParaRPr lang="ru-RU"/>
-          </a:p>
-        </p:txBody>
-      </p:sp>
-      <p:sp>
-        <p:nvSpPr>
-          <p:cNvPr id="3" name="Объект 2"/>
-          <p:cNvSpPr>
-            <a:spLocks noGrp="1"/>
-          </p:cNvSpPr>
-          <p:nvPr>
-            <p:ph idx="1"/>
-          </p:nvPr>
-        </p:nvSpPr>
-        <p:spPr/>
-        <p:txBody>
-          <a:bodyPr/>
-          <a:lstStyle/>
-          <a:p>
-            <a:r>
-              <a:rPr lang="en-US" dirty="0" smtClean="0"/>
-              <a:t>Material be here</a:t>
+        <p:spPr>
+          <a:xfrm>
+            <a:off x="289560" y="8785"/>
+            <a:ext cx="10515600" cy="1325563"/>
+          </a:xfrm>
+        </p:spPr>
+        <p:txBody>
+          <a:bodyPr/>
+          <a:lstStyle/>
+          <a:p>
+            <a:r>
+              <a:rPr lang="ru-RU" dirty="0" smtClean="0"/>
+              <a:t>А что если</a:t>
             </a:r>
             <a:endParaRPr lang="ru-RU" dirty="0"/>
           </a:p>
         </p:txBody>
       </p:sp>
+      <p:pic>
+        <p:nvPicPr>
+          <p:cNvPr id="6146" name="Picture 2" descr="https://sun9-56.userapi.com/impg/WhGhU5UAeRPm8kiJHt_edAzUdruSUB7mKlNUUg/7QbpHlAOuMo.jpg?size=850x958&amp;quality=96&amp;sign=363314142ba74930f6ac7d9cd2b8f8b7&amp;type=album"/>
+          <p:cNvPicPr>
+            <a:picLocks noChangeAspect="1" noChangeArrowheads="1"/>
+          </p:cNvPicPr>
+          <p:nvPr/>
+        </p:nvPicPr>
+        <p:blipFill>
+          <a:blip r:embed="rId2">
+            <a:extLst>
+              <a:ext uri="{28A0092B-C50C-407E-A947-70E740481C1C}">
+                <a14:useLocalDpi xmlns:a14="http://schemas.microsoft.com/office/drawing/2010/main" val="0"/>
+              </a:ext>
+            </a:extLst>
+          </a:blip>
+          <a:srcRect/>
+          <a:stretch>
+            <a:fillRect/>
+          </a:stretch>
+        </p:blipFill>
+        <p:spPr bwMode="auto">
+          <a:xfrm>
+            <a:off x="2928746" y="143692"/>
+            <a:ext cx="5758053" cy="6489664"/>
+          </a:xfrm>
+          <a:prstGeom prst="rect">
+            <a:avLst/>
+          </a:prstGeom>
+          <a:noFill/>
+          <a:extLst>
+            <a:ext uri="{909E8E84-426E-40DD-AFC4-6F175D3DCCD1}">
+              <a14:hiddenFill xmlns:a14="http://schemas.microsoft.com/office/drawing/2010/main">
+                <a:solidFill>
+                  <a:srgbClr val="FFFFFF"/>
+                </a:solidFill>
+              </a14:hiddenFill>
+            </a:ext>
+          </a:extLst>
+        </p:spPr>
+      </p:pic>
     </p:spTree>
     <p:extLst>
       <p:ext uri="{BB962C8B-B14F-4D97-AF65-F5344CB8AC3E}">
-        <p14:creationId xmlns:p14="http://schemas.microsoft.com/office/powerpoint/2010/main" val="3302004416"/>
+        <p14:creationId xmlns:p14="http://schemas.microsoft.com/office/powerpoint/2010/main" val="365126859"/>
       </p:ext>
     </p:extLst>
   </p:cSld>
   <p:clrMapOvr>
     <a:masterClrMapping/>
   </p:clrMapOvr>
+  <p:timing>
+    <p:tnLst>
+      <p:par>
+        <p:cTn id="1" dur="indefinite" restart="never" nodeType="tmRoot"/>
+      </p:par>
+    </p:tnLst>
+  </p:timing>
 </p:sld>
 </file>
 
@@ -3511,7 +5657,11 @@
           <a:bodyPr/>
           <a:lstStyle/>
           <a:p>
-            <a:endParaRPr lang="ru-RU"/>
+            <a:r>
+              <a:rPr lang="ru-RU" dirty="0" smtClean="0"/>
+              <a:t>Концепт</a:t>
+            </a:r>
+            <a:endParaRPr lang="ru-RU" dirty="0"/>
           </a:p>
         </p:txBody>
       </p:sp>
@@ -3530,27 +5680,167 @@
           <a:bodyPr/>
           <a:lstStyle/>
           <a:p>
-            <a:pPr marL="0" indent="0">
-              <a:buNone/>
-            </a:pPr>
-            <a:r>
-              <a:rPr lang="en-US" smtClean="0"/>
-              <a:t>The end</a:t>
-            </a:r>
-            <a:endParaRPr lang="ru-RU" dirty="0"/>
+            <a:r>
+              <a:rPr lang="ru-RU" dirty="0" smtClean="0"/>
+              <a:t>Большинтсво аргументов шаблона должно удовлетворять определённым требованиям для правильной компиляции шаблона и правильного функционирования сгенерированного кода. </a:t>
+            </a:r>
+            <a:r>
+              <a:rPr lang="ru-RU" dirty="0" smtClean="0"/>
+              <a:t>Таким образом, большинство шаблонов должны быть ограниченными.</a:t>
+            </a:r>
+            <a:endParaRPr lang="en-US" dirty="0" smtClean="0"/>
+          </a:p>
+          <a:p>
+            <a:r>
+              <a:rPr lang="ru-RU" dirty="0"/>
+              <a:t>Концепт - требование к аргументам шаблона.</a:t>
+            </a:r>
+            <a:endParaRPr lang="ru-RU" dirty="0" smtClean="0"/>
+          </a:p>
+          <a:p>
+            <a:r>
+              <a:rPr lang="ru-RU" dirty="0" smtClean="0"/>
+              <a:t>Ключевое слово – </a:t>
+            </a:r>
+            <a:r>
+              <a:rPr lang="en-US" dirty="0" smtClean="0">
+                <a:solidFill>
+                  <a:srgbClr val="00B0F0"/>
+                </a:solidFill>
+              </a:rPr>
+              <a:t>requires</a:t>
+            </a:r>
+            <a:endParaRPr lang="en-US" dirty="0">
+              <a:solidFill>
+                <a:srgbClr val="00B0F0"/>
+              </a:solidFill>
+            </a:endParaRPr>
           </a:p>
         </p:txBody>
       </p:sp>
     </p:spTree>
     <p:extLst>
       <p:ext uri="{BB962C8B-B14F-4D97-AF65-F5344CB8AC3E}">
-        <p14:creationId xmlns:p14="http://schemas.microsoft.com/office/powerpoint/2010/main" val="4135336181"/>
+        <p14:creationId xmlns:p14="http://schemas.microsoft.com/office/powerpoint/2010/main" val="3994718763"/>
       </p:ext>
     </p:extLst>
   </p:cSld>
   <p:clrMapOvr>
     <a:masterClrMapping/>
   </p:clrMapOvr>
+  <p:timing>
+    <p:tnLst>
+      <p:par>
+        <p:cTn id="1" dur="indefinite" restart="never" nodeType="tmRoot"/>
+      </p:par>
+    </p:tnLst>
+  </p:timing>
+</p:sld>
+</file>
+
+<file path=ppt/slides/slide9.xml><?xml version="1.0" encoding="utf-8"?>
+<p:sld xmlns:a="http://schemas.openxmlformats.org/drawingml/2006/main" xmlns:r="http://schemas.openxmlformats.org/officeDocument/2006/relationships" xmlns:p="http://schemas.openxmlformats.org/presentationml/2006/main">
+  <p:cSld>
+    <p:spTree>
+      <p:nvGrpSpPr>
+        <p:cNvPr id="1" name=""/>
+        <p:cNvGrpSpPr/>
+        <p:nvPr/>
+      </p:nvGrpSpPr>
+      <p:grpSpPr>
+        <a:xfrm>
+          <a:off x="0" y="0"/>
+          <a:ext cx="0" cy="0"/>
+          <a:chOff x="0" y="0"/>
+          <a:chExt cx="0" cy="0"/>
+        </a:xfrm>
+      </p:grpSpPr>
+      <p:sp>
+        <p:nvSpPr>
+          <p:cNvPr id="2" name="Заголовок 1"/>
+          <p:cNvSpPr>
+            <a:spLocks noGrp="1"/>
+          </p:cNvSpPr>
+          <p:nvPr>
+            <p:ph type="title"/>
+          </p:nvPr>
+        </p:nvSpPr>
+        <p:spPr>
+          <a:xfrm>
+            <a:off x="433252" y="0"/>
+            <a:ext cx="10515600" cy="1325563"/>
+          </a:xfrm>
+        </p:spPr>
+        <p:txBody>
+          <a:bodyPr/>
+          <a:lstStyle/>
+          <a:p>
+            <a:r>
+              <a:rPr lang="ru-RU" dirty="0" smtClean="0"/>
+              <a:t>Концепт</a:t>
+            </a:r>
+            <a:endParaRPr lang="ru-RU" dirty="0"/>
+          </a:p>
+        </p:txBody>
+      </p:sp>
+      <p:pic>
+        <p:nvPicPr>
+          <p:cNvPr id="2052" name="Picture 4" descr="https://sun9-67.userapi.com/impg/mt9lLculB_ddzqFnnmhP-1i558i6VEMtBLOuqQ/yEPFTEMX9fY.jpg?size=653x598&amp;quality=96&amp;sign=593a58121f598e53ea3c62f642a588d2&amp;type=album"/>
+          <p:cNvPicPr>
+            <a:picLocks noChangeAspect="1" noChangeArrowheads="1"/>
+          </p:cNvPicPr>
+          <p:nvPr/>
+        </p:nvPicPr>
+        <p:blipFill>
+          <a:blip r:embed="rId2">
+            <a:extLst>
+              <a:ext uri="{28A0092B-C50C-407E-A947-70E740481C1C}">
+                <a14:useLocalDpi xmlns:a14="http://schemas.microsoft.com/office/drawing/2010/main" val="0"/>
+              </a:ext>
+            </a:extLst>
+          </a:blip>
+          <a:srcRect/>
+          <a:stretch>
+            <a:fillRect/>
+          </a:stretch>
+        </p:blipFill>
+        <p:spPr bwMode="auto">
+          <a:xfrm>
+            <a:off x="655320" y="1060903"/>
+            <a:ext cx="6385560" cy="5847726"/>
+          </a:xfrm>
+          <a:prstGeom prst="rect">
+            <a:avLst/>
+          </a:prstGeom>
+          <a:noFill/>
+          <a:extLst>
+            <a:ext uri="{909E8E84-426E-40DD-AFC4-6F175D3DCCD1}">
+              <a14:hiddenFill xmlns:a14="http://schemas.microsoft.com/office/drawing/2010/main">
+                <a:solidFill>
+                  <a:srgbClr val="FFFFFF"/>
+                </a:solidFill>
+              </a14:hiddenFill>
+            </a:ext>
+          </a:extLst>
+        </p:spPr>
+      </p:pic>
+    </p:spTree>
+    <p:extLst>
+      <p:ext uri="{BB962C8B-B14F-4D97-AF65-F5344CB8AC3E}">
+        <p14:creationId xmlns:p14="http://schemas.microsoft.com/office/powerpoint/2010/main" val="285261688"/>
+      </p:ext>
+    </p:extLst>
+  </p:cSld>
+  <p:clrMapOvr>
+    <a:masterClrMapping/>
+  </p:clrMapOvr>
+  <p:timing>
+    <p:tnLst>
+      <p:par>
+        <p:cTn id="1" dur="indefinite" restart="never" nodeType="tmRoot"/>
+      </p:par>
+    </p:tnLst>
+  </p:timing>
 </p:sld>
 </file>
 
